--- a/HW6/HW6_pingpong_vga.pptx
+++ b/HW6/HW6_pingpong_vga.pptx
@@ -5,17 +5,18 @@
     <p:sldMasterId id="2147483648" r:id="rId1"/>
   </p:sldMasterIdLst>
   <p:notesMasterIdLst>
-    <p:notesMasterId r:id="rId7"/>
+    <p:notesMasterId r:id="rId8"/>
   </p:notesMasterIdLst>
   <p:handoutMasterIdLst>
-    <p:handoutMasterId r:id="rId8"/>
+    <p:handoutMasterId r:id="rId9"/>
   </p:handoutMasterIdLst>
   <p:sldIdLst>
-    <p:sldId id="1495" r:id="rId2"/>
-    <p:sldId id="1493" r:id="rId3"/>
-    <p:sldId id="1494" r:id="rId4"/>
-    <p:sldId id="1486" r:id="rId5"/>
-    <p:sldId id="1496" r:id="rId6"/>
+    <p:sldId id="277" r:id="rId2"/>
+    <p:sldId id="260" r:id="rId3"/>
+    <p:sldId id="262" r:id="rId4"/>
+    <p:sldId id="279" r:id="rId5"/>
+    <p:sldId id="1350" r:id="rId6"/>
+    <p:sldId id="1348" r:id="rId7"/>
   </p:sldIdLst>
   <p:sldSz cx="12192000" cy="6858000"/>
   <p:notesSz cx="6858000" cy="9144000"/>
@@ -127,7 +128,7 @@
 
 <file path=ppt/commentAuthors.xml><?xml version="1.0" encoding="utf-8"?>
 <p:cmAuthorLst xmlns:a="http://schemas.openxmlformats.org/drawingml/2006/main" xmlns:r="http://schemas.openxmlformats.org/officeDocument/2006/relationships" xmlns:p="http://schemas.openxmlformats.org/presentationml/2006/main">
-  <p:cmAuthor id="1" name="逸宏" initials="逸宏" lastIdx="2" clrIdx="0">
+  <p:cmAuthor id="1" name="逸宏" initials="逸宏" lastIdx="3" clrIdx="0">
     <p:extLst>
       <p:ext uri="{19B8F6BF-5375-455C-9EA6-DF929625EA0E}">
         <p15:presenceInfo xmlns:p15="http://schemas.microsoft.com/office/powerpoint/2012/main" userId="5b6125eb5a4ed5ea" providerId="Windows Live"/>
@@ -135,14 +136,6 @@
     </p:extLst>
   </p:cmAuthor>
 </p:cmAuthorLst>
-</file>
-
-<file path=ppt/revisionInfo.xml><?xml version="1.0" encoding="utf-8"?>
-<p1510:revInfo xmlns:a="http://schemas.openxmlformats.org/drawingml/2006/main" xmlns:r="http://schemas.openxmlformats.org/officeDocument/2006/relationships" xmlns:p1510="http://schemas.microsoft.com/office/powerpoint/2015/10/main">
-  <p1510:revLst>
-    <p1510:client id="{4085D718-25E9-4BFD-AB06-772035D1CF73}" v="14" dt="2024-11-05T07:36:58.970"/>
-  </p1510:revLst>
-</p1510:revInfo>
 </file>
 
 <file path=ppt/handoutMasters/handoutMaster1.xml><?xml version="1.0" encoding="utf-8"?>
@@ -231,7 +224,7 @@
               <a:rPr lang="zh-TW" altLang="en-US" smtClean="0">
                 <a:ea typeface="標楷體" panose="03000509000000000000" pitchFamily="65" charset="-120"/>
               </a:rPr>
-              <a:t>2025/1/6</a:t>
+              <a:t>2025/1/8</a:t>
             </a:fld>
             <a:endParaRPr lang="zh-TW" altLang="en-US">
               <a:ea typeface="標楷體" panose="03000509000000000000" pitchFamily="65" charset="-120"/>
@@ -320,6 +313,90 @@
   </p:cSld>
   <p:clrMap bg1="lt1" tx1="dk1" bg2="lt2" tx2="dk2" accent1="accent1" accent2="accent2" accent3="accent3" accent4="accent4" accent5="accent5" accent6="accent6" hlink="hlink" folHlink="folHlink"/>
 </p:handoutMaster>
+</file>
+
+<file path=ppt/ink/ink1.xml><?xml version="1.0" encoding="utf-8"?>
+<inkml:ink xmlns:inkml="http://www.w3.org/2003/InkML">
+  <inkml:definitions>
+    <inkml:context xml:id="ctx0">
+      <inkml:inkSource xml:id="inkSrc0">
+        <inkml:traceFormat>
+          <inkml:channel name="X" type="integer" min="-2.14748E9" max="2.14748E9" units="cm"/>
+          <inkml:channel name="Y" type="integer" min="-2.14748E9" max="2.14748E9" units="cm"/>
+          <inkml:channel name="F" type="integer" max="32767" units="dev"/>
+        </inkml:traceFormat>
+        <inkml:channelProperties>
+          <inkml:channelProperty channel="X" name="resolution" value="1000" units="1/cm"/>
+          <inkml:channelProperty channel="Y" name="resolution" value="1000" units="1/cm"/>
+          <inkml:channelProperty channel="F" name="resolution" value="0" units="1/dev"/>
+        </inkml:channelProperties>
+      </inkml:inkSource>
+      <inkml:timestamp xml:id="ts0" timeString="2025-01-08T04:50:07.612"/>
+    </inkml:context>
+    <inkml:brush xml:id="br0">
+      <inkml:brushProperty name="width" value="0.035" units="cm"/>
+      <inkml:brushProperty name="height" value="0.035" units="cm"/>
+      <inkml:brushProperty name="color" value="#E71224"/>
+    </inkml:brush>
+  </inkml:definitions>
+  <inkml:trace contextRef="#ctx0" brushRef="#br0">1 1720 24575,'8'-2'0,"-1"0"0,1-1 0,-1 1 0,0-2 0,1 1 0,-1-1 0,-1 0 0,1 0 0,-1-1 0,1 0 0,5-6 0,16-10 0,89-68 0,9-6 0,239-161 0,-292 204 0,84-44 0,-144 89 0,67-41 0,103-55 0,-125 75 0,5-3 0,94-32 0,55-8 0,159-25 0,-201 54 0,37-7 0,224-35 0,-297 55 0,216-27 0,-55 9 0,211-27-601,-152 30 481,19-3 39,-166 23 81,-123 14 0,59-3 0,-5 1 0,0 1 0,-62 10-304,78-12 0,85 0 304,-17 3 0,98-2 0,1 0 0,-168 1 0,178 10 0,-142 4 0,645-3 0,-679 12 0,-16 0 0,157 11 0,-109-8 0,-76-5 0,325 36 0,-263-21 0,-31-3 0,99 16 812,-45-5-214,43 21-598,-191-42 0,228 59 0,170 47 0,-163-23 0,-236-78 0,479 196 0,-502-201 0,-1 1 0,37 29 0,-10-8 0,85 42 0,-77-47 30,-45-23-263,-1-1 1,1 2-1,-2 0 1,1 0-1,19 17 1,-21-14-6594</inkml:trace>
+</inkml:ink>
+</file>
+
+<file path=ppt/ink/ink2.xml><?xml version="1.0" encoding="utf-8"?>
+<inkml:ink xmlns:inkml="http://www.w3.org/2003/InkML">
+  <inkml:definitions>
+    <inkml:context xml:id="ctx0">
+      <inkml:inkSource xml:id="inkSrc0">
+        <inkml:traceFormat>
+          <inkml:channel name="X" type="integer" min="-2.14748E9" max="2.14748E9" units="cm"/>
+          <inkml:channel name="Y" type="integer" min="-2.14748E9" max="2.14748E9" units="cm"/>
+          <inkml:channel name="F" type="integer" max="32767" units="dev"/>
+        </inkml:traceFormat>
+        <inkml:channelProperties>
+          <inkml:channelProperty channel="X" name="resolution" value="1000" units="1/cm"/>
+          <inkml:channelProperty channel="Y" name="resolution" value="1000" units="1/cm"/>
+          <inkml:channelProperty channel="F" name="resolution" value="0" units="1/dev"/>
+        </inkml:channelProperties>
+      </inkml:inkSource>
+      <inkml:timestamp xml:id="ts0" timeString="2025-01-08T04:50:10.234"/>
+    </inkml:context>
+    <inkml:brush xml:id="br0">
+      <inkml:brushProperty name="width" value="0.035" units="cm"/>
+      <inkml:brushProperty name="height" value="0.035" units="cm"/>
+      <inkml:brushProperty name="color" value="#E71224"/>
+    </inkml:brush>
+  </inkml:definitions>
+  <inkml:trace contextRef="#ctx0" brushRef="#br0">0 1648 24575,'1'-4'0,"0"0"0,-1 1 0,1-1 0,0 0 0,1 0 0,-1 1 0,1-1 0,0 1 0,-1-1 0,2 1 0,-1 0 0,0 0 0,1 0 0,-1 0 0,4-3 0,53-44 0,-24 21 0,21-23 0,37-33 0,152-183 0,-214 232 0,1 0 0,2 2 0,1 2 0,2 1 0,68-44 0,-54 44 0,1 3 0,82-32 0,-78 38 0,-2-3 0,69-43 0,-106 56 0,17-12 0,1 2 0,1 2 0,62-27 0,15 6 0,259-99 0,-70 39 0,-20 31 0,-218 53 0,0 3 0,104-10 0,-24 8 0,-77 7 0,75-14 0,-5 2 0,-80 11 0,0 2 0,68 0 0,393 9 0,-495 0 0,-1 1 0,30 7 0,39 3 0,10 0 0,-69-7 0,47 2 0,-30-6 0,95 15 0,-102-11-1365,-23-4-5461</inkml:trace>
+</inkml:ink>
+</file>
+
+<file path=ppt/ink/ink3.xml><?xml version="1.0" encoding="utf-8"?>
+<inkml:ink xmlns:inkml="http://www.w3.org/2003/InkML">
+  <inkml:definitions>
+    <inkml:context xml:id="ctx0">
+      <inkml:inkSource xml:id="inkSrc0">
+        <inkml:traceFormat>
+          <inkml:channel name="X" type="integer" min="-2.14748E9" max="2.14748E9" units="cm"/>
+          <inkml:channel name="Y" type="integer" min="-2.14748E9" max="2.14748E9" units="cm"/>
+          <inkml:channel name="F" type="integer" max="32767" units="dev"/>
+        </inkml:traceFormat>
+        <inkml:channelProperties>
+          <inkml:channelProperty channel="X" name="resolution" value="1000" units="1/cm"/>
+          <inkml:channelProperty channel="Y" name="resolution" value="1000" units="1/cm"/>
+          <inkml:channelProperty channel="F" name="resolution" value="0" units="1/dev"/>
+        </inkml:channelProperties>
+      </inkml:inkSource>
+      <inkml:timestamp xml:id="ts0" timeString="2025-01-08T04:50:12.525"/>
+    </inkml:context>
+    <inkml:brush xml:id="br0">
+      <inkml:brushProperty name="width" value="0.035" units="cm"/>
+      <inkml:brushProperty name="height" value="0.035" units="cm"/>
+      <inkml:brushProperty name="color" value="#E71224"/>
+    </inkml:brush>
+  </inkml:definitions>
+  <inkml:trace contextRef="#ctx0" brushRef="#br0">0 359 24575,'10'1'0,"0"0"0,0 1 0,0 1 0,0 0 0,0 0 0,16 9 0,30 8 0,-26-13 0,3 1 0,45 6 0,-69-13 0,1-1 0,-1 1 0,0-2 0,1 1 0,-1-1 0,0-1 0,0 1 0,0-2 0,16-5 0,-22 7 0,-1-1 0,1 1 0,-1-1 0,1 1 0,-1-1 0,0 0 0,0 0 0,0 0 0,0-1 0,0 1 0,0 0 0,-1-1 0,1 1 0,-1-1 0,1 1 0,-1-1 0,0 0 0,0 1 0,0-1 0,-1 0 0,1 0 0,-1 0 0,1 0 0,-1 0 0,0 0 0,0 1 0,0-1 0,-1 0 0,0-4 0,-2-10 0,-1 0 0,0 0 0,-14-31 0,5 11 0,-53-155-1365,60 177-5461</inkml:trace>
+</inkml:ink>
 </file>
 
 <file path=ppt/notesMasters/notesMaster1.xml><?xml version="1.0" encoding="utf-8"?>
@@ -409,7 +486,7 @@
             <a:fld id="{2CB905C5-9D54-40E2-B40C-7996280CAB02}" type="datetimeFigureOut">
               <a:rPr lang="zh-TW" altLang="en-US" smtClean="0"/>
               <a:pPr/>
-              <a:t>2025/1/6</a:t>
+              <a:t>2025/1/8</a:t>
             </a:fld>
             <a:endParaRPr lang="zh-TW" altLang="en-US"/>
           </a:p>
@@ -815,7 +892,7 @@
           <a:p>
             <a:fld id="{0C0CC965-A63A-473D-BEFB-C8F9714D5269}" type="datetimeFigureOut">
               <a:rPr lang="zh-TW" altLang="en-US" smtClean="0"/>
-              <a:t>2025/1/6</a:t>
+              <a:t>2025/1/8</a:t>
             </a:fld>
             <a:endParaRPr lang="zh-TW" altLang="en-US"/>
           </a:p>
@@ -983,7 +1060,7 @@
           <a:p>
             <a:fld id="{0C0CC965-A63A-473D-BEFB-C8F9714D5269}" type="datetimeFigureOut">
               <a:rPr lang="zh-TW" altLang="en-US" smtClean="0"/>
-              <a:t>2025/1/6</a:t>
+              <a:t>2025/1/8</a:t>
             </a:fld>
             <a:endParaRPr lang="zh-TW" altLang="en-US"/>
           </a:p>
@@ -1161,7 +1238,7 @@
           <a:p>
             <a:fld id="{0C0CC965-A63A-473D-BEFB-C8F9714D5269}" type="datetimeFigureOut">
               <a:rPr lang="zh-TW" altLang="en-US" smtClean="0"/>
-              <a:t>2025/1/6</a:t>
+              <a:t>2025/1/8</a:t>
             </a:fld>
             <a:endParaRPr lang="zh-TW" altLang="en-US"/>
           </a:p>
@@ -1356,7 +1433,7 @@
           <a:p>
             <a:fld id="{0C0CC965-A63A-473D-BEFB-C8F9714D5269}" type="datetimeFigureOut">
               <a:rPr lang="zh-TW" altLang="en-US" smtClean="0"/>
-              <a:t>2025/1/6</a:t>
+              <a:t>2025/1/8</a:t>
             </a:fld>
             <a:endParaRPr lang="zh-TW" altLang="en-US"/>
           </a:p>
@@ -1601,7 +1678,7 @@
           <a:p>
             <a:fld id="{0C0CC965-A63A-473D-BEFB-C8F9714D5269}" type="datetimeFigureOut">
               <a:rPr lang="zh-TW" altLang="en-US" smtClean="0"/>
-              <a:t>2025/1/6</a:t>
+              <a:t>2025/1/8</a:t>
             </a:fld>
             <a:endParaRPr lang="zh-TW" altLang="en-US"/>
           </a:p>
@@ -1830,7 +1907,7 @@
           <a:p>
             <a:fld id="{0C0CC965-A63A-473D-BEFB-C8F9714D5269}" type="datetimeFigureOut">
               <a:rPr lang="zh-TW" altLang="en-US" smtClean="0"/>
-              <a:t>2025/1/6</a:t>
+              <a:t>2025/1/8</a:t>
             </a:fld>
             <a:endParaRPr lang="zh-TW" altLang="en-US"/>
           </a:p>
@@ -2194,7 +2271,7 @@
           <a:p>
             <a:fld id="{0C0CC965-A63A-473D-BEFB-C8F9714D5269}" type="datetimeFigureOut">
               <a:rPr lang="zh-TW" altLang="en-US" smtClean="0"/>
-              <a:t>2025/1/6</a:t>
+              <a:t>2025/1/8</a:t>
             </a:fld>
             <a:endParaRPr lang="zh-TW" altLang="en-US"/>
           </a:p>
@@ -2311,7 +2388,7 @@
           <a:p>
             <a:fld id="{0C0CC965-A63A-473D-BEFB-C8F9714D5269}" type="datetimeFigureOut">
               <a:rPr lang="zh-TW" altLang="en-US" smtClean="0"/>
-              <a:t>2025/1/6</a:t>
+              <a:t>2025/1/8</a:t>
             </a:fld>
             <a:endParaRPr lang="zh-TW" altLang="en-US"/>
           </a:p>
@@ -2406,7 +2483,7 @@
           <a:p>
             <a:fld id="{0C0CC965-A63A-473D-BEFB-C8F9714D5269}" type="datetimeFigureOut">
               <a:rPr lang="zh-TW" altLang="en-US" smtClean="0"/>
-              <a:t>2025/1/6</a:t>
+              <a:t>2025/1/8</a:t>
             </a:fld>
             <a:endParaRPr lang="zh-TW" altLang="en-US"/>
           </a:p>
@@ -2681,7 +2758,7 @@
           <a:p>
             <a:fld id="{0C0CC965-A63A-473D-BEFB-C8F9714D5269}" type="datetimeFigureOut">
               <a:rPr lang="zh-TW" altLang="en-US" smtClean="0"/>
-              <a:t>2025/1/6</a:t>
+              <a:t>2025/1/8</a:t>
             </a:fld>
             <a:endParaRPr lang="zh-TW" altLang="en-US"/>
           </a:p>
@@ -2933,7 +3010,7 @@
           <a:p>
             <a:fld id="{0C0CC965-A63A-473D-BEFB-C8F9714D5269}" type="datetimeFigureOut">
               <a:rPr lang="zh-TW" altLang="en-US" smtClean="0"/>
-              <a:t>2025/1/6</a:t>
+              <a:t>2025/1/8</a:t>
             </a:fld>
             <a:endParaRPr lang="zh-TW" altLang="en-US"/>
           </a:p>
@@ -3147,7 +3224,7 @@
             <a:fld id="{0C0CC965-A63A-473D-BEFB-C8F9714D5269}" type="datetimeFigureOut">
               <a:rPr lang="zh-TW" altLang="en-US" smtClean="0"/>
               <a:pPr/>
-              <a:t>2025/1/6</a:t>
+              <a:t>2025/1/8</a:t>
             </a:fld>
             <a:endParaRPr lang="zh-TW" altLang="en-US"/>
           </a:p>
@@ -3658,10 +3735,77 @@
       </p:grpSpPr>
       <p:sp>
         <p:nvSpPr>
+          <p:cNvPr id="2" name="內容版面配置區 1">
+            <a:extLst>
+              <a:ext uri="{FF2B5EF4-FFF2-40B4-BE49-F238E27FC236}">
+                <a16:creationId xmlns:a16="http://schemas.microsoft.com/office/drawing/2014/main" id="{AE11D2F9-8A29-B7D9-46F5-08A7C820185D}"/>
+              </a:ext>
+            </a:extLst>
+          </p:cNvPr>
+          <p:cNvSpPr>
+            <a:spLocks noGrp="1"/>
+          </p:cNvSpPr>
+          <p:nvPr>
+            <p:ph idx="1"/>
+          </p:nvPr>
+        </p:nvSpPr>
+        <p:spPr/>
+        <p:txBody>
+          <a:bodyPr/>
+          <a:lstStyle/>
+          <a:p>
+            <a:r>
+              <a:rPr lang="zh-TW" altLang="en-US" dirty="0"/>
+              <a:t>實現方式</a:t>
+            </a:r>
+            <a:r>
+              <a:rPr lang="en-US" altLang="zh-TW" dirty="0"/>
+              <a:t>:</a:t>
+            </a:r>
+          </a:p>
+          <a:p>
+            <a:r>
+              <a:rPr lang="zh-TW" altLang="en-US" dirty="0"/>
+              <a:t>用之前的乒乓球程式結合</a:t>
+            </a:r>
+            <a:r>
+              <a:rPr lang="en-US" altLang="zh-TW" dirty="0"/>
+              <a:t>VGA</a:t>
+            </a:r>
+          </a:p>
+          <a:p>
+            <a:r>
+              <a:rPr lang="zh-TW" altLang="en-US" dirty="0"/>
+              <a:t>利用每位移一次就顯示在下一個位置來達成</a:t>
+            </a:r>
+            <a:endParaRPr lang="en-US" altLang="zh-TW" dirty="0"/>
+          </a:p>
+          <a:p>
+            <a:r>
+              <a:rPr lang="zh-TW" altLang="en-US" dirty="0"/>
+              <a:t>如下圖</a:t>
+            </a:r>
+            <a:r>
+              <a:rPr lang="en-US" altLang="zh-TW" dirty="0"/>
+              <a:t>(</a:t>
+            </a:r>
+            <a:r>
+              <a:rPr lang="zh-TW" altLang="en-US" dirty="0"/>
+              <a:t>假設右移</a:t>
+            </a:r>
+            <a:r>
+              <a:rPr lang="en-US" altLang="zh-TW" dirty="0"/>
+              <a:t>)</a:t>
+            </a:r>
+          </a:p>
+        </p:txBody>
+      </p:sp>
+      <p:sp>
+        <p:nvSpPr>
           <p:cNvPr id="3" name="標題 2">
             <a:extLst>
               <a:ext uri="{FF2B5EF4-FFF2-40B4-BE49-F238E27FC236}">
-                <a16:creationId xmlns:a16="http://schemas.microsoft.com/office/drawing/2014/main" id="{35526062-E629-CC2F-A35B-BF2657A54537}"/>
+                <a16:creationId xmlns:a16="http://schemas.microsoft.com/office/drawing/2014/main" id="{AB2DB743-300E-1296-2123-6144E7F43CE4}"/>
               </a:ext>
             </a:extLst>
           </p:cNvPr>
@@ -3674,79 +3818,27 @@
         </p:nvSpPr>
         <p:spPr/>
         <p:txBody>
-          <a:bodyPr>
-            <a:normAutofit/>
-          </a:bodyPr>
-          <a:lstStyle/>
-          <a:p>
-            <a:r>
-              <a:rPr lang="en-US" altLang="zh-TW" sz="4000" dirty="0">
-                <a:solidFill>
-                  <a:srgbClr val="000000"/>
-                </a:solidFill>
-                <a:latin typeface="-apple-system"/>
-                <a:ea typeface="+mn-ea"/>
-                <a:cs typeface="+mn-cs"/>
-              </a:rPr>
-              <a:t>HW6</a:t>
-            </a:r>
-          </a:p>
-        </p:txBody>
-      </p:sp>
-      <p:sp>
-        <p:nvSpPr>
-          <p:cNvPr id="17" name="文字方塊 16">
+          <a:bodyPr/>
+          <a:lstStyle/>
+          <a:p>
+            <a:r>
+              <a:rPr lang="en-US" altLang="zh-TW" dirty="0"/>
+              <a:t>HW6-VGA</a:t>
+            </a:r>
+            <a:r>
+              <a:rPr lang="zh-TW" altLang="en-US"/>
+              <a:t>乒乓</a:t>
+            </a:r>
+            <a:endParaRPr lang="zh-TW" altLang="en-US" dirty="0"/>
+          </a:p>
+        </p:txBody>
+      </p:sp>
+      <p:pic>
+        <p:nvPicPr>
+          <p:cNvPr id="5" name="圖片 4">
             <a:extLst>
               <a:ext uri="{FF2B5EF4-FFF2-40B4-BE49-F238E27FC236}">
-                <a16:creationId xmlns:a16="http://schemas.microsoft.com/office/drawing/2014/main" id="{A3F708B7-CAF6-4D9F-7CB6-FC671B20F59A}"/>
-              </a:ext>
-            </a:extLst>
-          </p:cNvPr>
-          <p:cNvSpPr txBox="1"/>
-          <p:nvPr/>
-        </p:nvSpPr>
-        <p:spPr>
-          <a:xfrm>
-            <a:off x="5527393" y="1975835"/>
-            <a:ext cx="1037595" cy="307777"/>
-          </a:xfrm>
-          <a:prstGeom prst="rect">
-            <a:avLst/>
-          </a:prstGeom>
-          <a:noFill/>
-        </p:spPr>
-        <p:txBody>
-          <a:bodyPr wrap="square">
-            <a:spAutoFit/>
-          </a:bodyPr>
-          <a:lstStyle/>
-          <a:p>
-            <a:pPr algn="l"/>
-            <a:r>
-              <a:rPr lang="zh-TW" altLang="en-US" sz="1400" dirty="0">
-                <a:solidFill>
-                  <a:schemeClr val="bg1"/>
-                </a:solidFill>
-                <a:latin typeface="-apple-system"/>
-              </a:rPr>
-              <a:t>發球</a:t>
-            </a:r>
-            <a:endParaRPr lang="zh-TW" altLang="en-US" sz="1400" b="0" i="0" dirty="0">
-              <a:solidFill>
-                <a:schemeClr val="bg1"/>
-              </a:solidFill>
-              <a:effectLst/>
-              <a:latin typeface="-apple-system"/>
-            </a:endParaRPr>
-          </a:p>
-        </p:txBody>
-      </p:sp>
-      <p:pic>
-        <p:nvPicPr>
-          <p:cNvPr id="5" name="圖片 4" descr="一張含有 文字, 螢幕擷取畫面, 字型, 圓形 的圖片&#10;&#10;自動產生的描述">
-            <a:extLst>
-              <a:ext uri="{FF2B5EF4-FFF2-40B4-BE49-F238E27FC236}">
-                <a16:creationId xmlns:a16="http://schemas.microsoft.com/office/drawing/2014/main" id="{5DC0F714-A038-1D04-CB12-6C774D218D8C}"/>
+                <a16:creationId xmlns:a16="http://schemas.microsoft.com/office/drawing/2014/main" id="{BA1DF52E-E277-4E58-A20C-DD479310385B}"/>
               </a:ext>
             </a:extLst>
           </p:cNvPr>
@@ -3756,88 +3848,30 @@
           <p:nvPr/>
         </p:nvPicPr>
         <p:blipFill>
-          <a:blip r:embed="rId2">
-            <a:extLst>
-              <a:ext uri="{28A0092B-C50C-407E-A947-70E740481C1C}">
-                <a14:useLocalDpi xmlns:a14="http://schemas.microsoft.com/office/drawing/2010/main" val="0"/>
-              </a:ext>
-            </a:extLst>
-          </a:blip>
+          <a:blip r:embed="rId2"/>
           <a:stretch>
             <a:fillRect/>
           </a:stretch>
         </p:blipFill>
         <p:spPr>
           <a:xfrm>
-            <a:off x="2839315" y="1712047"/>
-            <a:ext cx="5898286" cy="3927531"/>
+            <a:off x="648964" y="2882999"/>
+            <a:ext cx="11155332" cy="2286319"/>
           </a:xfrm>
           <a:prstGeom prst="rect">
             <a:avLst/>
           </a:prstGeom>
+          <a:ln w="19050">
+            <a:solidFill>
+              <a:srgbClr val="FF0000"/>
+            </a:solidFill>
+          </a:ln>
         </p:spPr>
       </p:pic>
-      <p:sp>
-        <p:nvSpPr>
-          <p:cNvPr id="2" name="文字方塊 1">
-            <a:extLst>
-              <a:ext uri="{FF2B5EF4-FFF2-40B4-BE49-F238E27FC236}">
-                <a16:creationId xmlns:a16="http://schemas.microsoft.com/office/drawing/2014/main" id="{82B0562D-0B5D-2134-F102-28371FFF2C5B}"/>
-              </a:ext>
-            </a:extLst>
-          </p:cNvPr>
-          <p:cNvSpPr txBox="1"/>
-          <p:nvPr/>
-        </p:nvSpPr>
-        <p:spPr>
-          <a:xfrm>
-            <a:off x="2146428" y="1791169"/>
-            <a:ext cx="3280130" cy="369332"/>
-          </a:xfrm>
-          <a:prstGeom prst="rect">
-            <a:avLst/>
-          </a:prstGeom>
-          <a:noFill/>
-        </p:spPr>
-        <p:txBody>
-          <a:bodyPr wrap="square">
-            <a:spAutoFit/>
-          </a:bodyPr>
-          <a:lstStyle/>
-          <a:p>
-            <a:pPr algn="l"/>
-            <a:r>
-              <a:rPr lang="en-US" altLang="zh-TW" dirty="0">
-                <a:solidFill>
-                  <a:srgbClr val="000000"/>
-                </a:solidFill>
-                <a:latin typeface="-apple-system"/>
-              </a:rPr>
-              <a:t>FSM</a:t>
-            </a:r>
-            <a:r>
-              <a:rPr lang="zh-TW" altLang="en-US" dirty="0">
-                <a:solidFill>
-                  <a:srgbClr val="000000"/>
-                </a:solidFill>
-                <a:latin typeface="-apple-system"/>
-              </a:rPr>
-              <a:t>：</a:t>
-            </a:r>
-            <a:endParaRPr lang="zh-TW" altLang="en-US" b="0" i="0" dirty="0">
-              <a:solidFill>
-                <a:srgbClr val="000000"/>
-              </a:solidFill>
-              <a:effectLst/>
-              <a:latin typeface="-apple-system"/>
-            </a:endParaRPr>
-          </a:p>
-        </p:txBody>
-      </p:sp>
     </p:spTree>
     <p:extLst>
       <p:ext uri="{BB962C8B-B14F-4D97-AF65-F5344CB8AC3E}">
-        <p14:creationId xmlns:p14="http://schemas.microsoft.com/office/powerpoint/2010/main" val="213226969"/>
+        <p14:creationId xmlns:p14="http://schemas.microsoft.com/office/powerpoint/2010/main" val="598204813"/>
       </p:ext>
     </p:extLst>
   </p:cSld>
@@ -3869,7 +3903,7 @@
           <p:cNvPr id="3" name="標題 2">
             <a:extLst>
               <a:ext uri="{FF2B5EF4-FFF2-40B4-BE49-F238E27FC236}">
-                <a16:creationId xmlns:a16="http://schemas.microsoft.com/office/drawing/2014/main" id="{35526062-E629-CC2F-A35B-BF2657A54537}"/>
+                <a16:creationId xmlns:a16="http://schemas.microsoft.com/office/drawing/2014/main" id="{6A775950-F0C7-92C5-3293-1A03D84EF6E2}"/>
               </a:ext>
             </a:extLst>
           </p:cNvPr>
@@ -3882,31 +3916,26 @@
         </p:nvSpPr>
         <p:spPr/>
         <p:txBody>
-          <a:bodyPr>
-            <a:normAutofit/>
-          </a:bodyPr>
-          <a:lstStyle/>
-          <a:p>
-            <a:r>
-              <a:rPr lang="en-US" altLang="zh-TW" sz="4000" dirty="0">
-                <a:solidFill>
-                  <a:srgbClr val="000000"/>
-                </a:solidFill>
-                <a:latin typeface="-apple-system"/>
-                <a:ea typeface="+mn-ea"/>
-                <a:cs typeface="+mn-cs"/>
-              </a:rPr>
-              <a:t>HW6</a:t>
-            </a:r>
-          </a:p>
-        </p:txBody>
-      </p:sp>
-      <p:sp>
-        <p:nvSpPr>
-          <p:cNvPr id="17" name="文字方塊 16">
+          <a:bodyPr/>
+          <a:lstStyle/>
+          <a:p>
+            <a:r>
+              <a:rPr lang="en-US" altLang="zh-TW" dirty="0"/>
+              <a:t>HW6-VGA</a:t>
+            </a:r>
+            <a:r>
+              <a:rPr lang="zh-TW" altLang="en-US" dirty="0"/>
+              <a:t>乒乓</a:t>
+            </a:r>
+          </a:p>
+        </p:txBody>
+      </p:sp>
+      <p:sp>
+        <p:nvSpPr>
+          <p:cNvPr id="7" name="文字方塊 6">
             <a:extLst>
               <a:ext uri="{FF2B5EF4-FFF2-40B4-BE49-F238E27FC236}">
-                <a16:creationId xmlns:a16="http://schemas.microsoft.com/office/drawing/2014/main" id="{A3F708B7-CAF6-4D9F-7CB6-FC671B20F59A}"/>
+                <a16:creationId xmlns:a16="http://schemas.microsoft.com/office/drawing/2014/main" id="{4D951F09-E836-6B08-B022-7C1F12D2B133}"/>
               </a:ext>
             </a:extLst>
           </p:cNvPr>
@@ -3915,8 +3944,8 @@
         </p:nvSpPr>
         <p:spPr>
           <a:xfrm>
-            <a:off x="5527393" y="1975835"/>
-            <a:ext cx="1037595" cy="307777"/>
+            <a:off x="1574800" y="1635667"/>
+            <a:ext cx="1464733" cy="369332"/>
           </a:xfrm>
           <a:prstGeom prst="rect">
             <a:avLst/>
@@ -3929,32 +3958,30 @@
           </a:bodyPr>
           <a:lstStyle/>
           <a:p>
-            <a:pPr algn="l"/>
-            <a:r>
-              <a:rPr lang="zh-TW" altLang="en-US" sz="1400" dirty="0">
-                <a:solidFill>
-                  <a:schemeClr val="bg1"/>
-                </a:solidFill>
-                <a:latin typeface="-apple-system"/>
+            <a:r>
+              <a:rPr lang="en-US" altLang="zh-TW" dirty="0">
+                <a:latin typeface="標楷體" panose="03000509000000000000" pitchFamily="65" charset="-120"/>
+                <a:ea typeface="標楷體" panose="03000509000000000000" pitchFamily="65" charset="-120"/>
               </a:rPr>
-              <a:t>發球</a:t>
-            </a:r>
-            <a:endParaRPr lang="zh-TW" altLang="en-US" sz="1400" b="0" i="0" dirty="0">
-              <a:solidFill>
-                <a:schemeClr val="bg1"/>
-              </a:solidFill>
-              <a:effectLst/>
-              <a:latin typeface="-apple-system"/>
-            </a:endParaRPr>
+              <a:t>Breakdown</a:t>
+            </a:r>
+            <a:r>
+              <a:rPr lang="zh-TW" altLang="en-US" dirty="0">
+                <a:latin typeface="標楷體" panose="03000509000000000000" pitchFamily="65" charset="-120"/>
+                <a:ea typeface="標楷體" panose="03000509000000000000" pitchFamily="65" charset="-120"/>
+              </a:rPr>
+              <a:t>：</a:t>
+            </a:r>
+            <a:endParaRPr lang="zh-TW" altLang="en-US" dirty="0"/>
           </a:p>
         </p:txBody>
       </p:sp>
       <p:pic>
         <p:nvPicPr>
-          <p:cNvPr id="4" name="圖片 3">
+          <p:cNvPr id="9" name="圖片 8">
             <a:extLst>
               <a:ext uri="{FF2B5EF4-FFF2-40B4-BE49-F238E27FC236}">
-                <a16:creationId xmlns:a16="http://schemas.microsoft.com/office/drawing/2014/main" id="{D823E033-F5DE-4090-50D5-D94C50FC888A}"/>
+                <a16:creationId xmlns:a16="http://schemas.microsoft.com/office/drawing/2014/main" id="{91D712FA-BE93-B3A3-B084-F1F98A5A6A69}"/>
               </a:ext>
             </a:extLst>
           </p:cNvPr>
@@ -3971,217 +3998,18 @@
         </p:blipFill>
         <p:spPr>
           <a:xfrm>
-            <a:off x="1193951" y="1832506"/>
-            <a:ext cx="4561310" cy="3889332"/>
+            <a:off x="3349227" y="1820333"/>
+            <a:ext cx="5696745" cy="4020111"/>
           </a:xfrm>
           <a:prstGeom prst="rect">
             <a:avLst/>
           </a:prstGeom>
-          <a:ln w="28575">
-            <a:solidFill>
-              <a:srgbClr val="FF0000"/>
-            </a:solidFill>
-          </a:ln>
-        </p:spPr>
-      </p:pic>
-      <p:sp>
-        <p:nvSpPr>
-          <p:cNvPr id="9" name="文字方塊 8">
-            <a:extLst>
-              <a:ext uri="{FF2B5EF4-FFF2-40B4-BE49-F238E27FC236}">
-                <a16:creationId xmlns:a16="http://schemas.microsoft.com/office/drawing/2014/main" id="{868D8E1E-01AD-DBCA-B342-F97DAB7366AC}"/>
-              </a:ext>
-            </a:extLst>
-          </p:cNvPr>
-          <p:cNvSpPr txBox="1"/>
-          <p:nvPr/>
-        </p:nvSpPr>
-        <p:spPr>
-          <a:xfrm>
-            <a:off x="1105028" y="1299668"/>
-            <a:ext cx="3280130" cy="369332"/>
-          </a:xfrm>
-          <a:prstGeom prst="rect">
-            <a:avLst/>
-          </a:prstGeom>
-          <a:noFill/>
-        </p:spPr>
-        <p:txBody>
-          <a:bodyPr wrap="square">
-            <a:spAutoFit/>
-          </a:bodyPr>
-          <a:lstStyle/>
-          <a:p>
-            <a:pPr algn="l"/>
-            <a:r>
-              <a:rPr lang="en-US" altLang="zh-TW" dirty="0">
-                <a:solidFill>
-                  <a:srgbClr val="000000"/>
-                </a:solidFill>
-                <a:latin typeface="-apple-system"/>
-              </a:rPr>
-              <a:t>FSM(</a:t>
-            </a:r>
-            <a:r>
-              <a:rPr lang="zh-TW" altLang="en-US" dirty="0">
-                <a:solidFill>
-                  <a:srgbClr val="000000"/>
-                </a:solidFill>
-                <a:latin typeface="-apple-system"/>
-              </a:rPr>
-              <a:t>高速</a:t>
-            </a:r>
-            <a:r>
-              <a:rPr lang="en-US" altLang="zh-TW" dirty="0">
-                <a:solidFill>
-                  <a:srgbClr val="000000"/>
-                </a:solidFill>
-                <a:latin typeface="-apple-system"/>
-              </a:rPr>
-              <a:t>CLK)</a:t>
-            </a:r>
-            <a:r>
-              <a:rPr lang="zh-TW" altLang="en-US" dirty="0">
-                <a:solidFill>
-                  <a:srgbClr val="000000"/>
-                </a:solidFill>
-                <a:latin typeface="-apple-system"/>
-              </a:rPr>
-              <a:t>：</a:t>
-            </a:r>
-            <a:endParaRPr lang="zh-TW" altLang="en-US" b="0" i="0" dirty="0">
-              <a:solidFill>
-                <a:srgbClr val="000000"/>
-              </a:solidFill>
-              <a:effectLst/>
-              <a:latin typeface="-apple-system"/>
-            </a:endParaRPr>
-          </a:p>
-        </p:txBody>
-      </p:sp>
-      <p:sp>
-        <p:nvSpPr>
-          <p:cNvPr id="10" name="文字方塊 9">
-            <a:extLst>
-              <a:ext uri="{FF2B5EF4-FFF2-40B4-BE49-F238E27FC236}">
-                <a16:creationId xmlns:a16="http://schemas.microsoft.com/office/drawing/2014/main" id="{DE1853EE-ABA7-9449-C598-644244C0BFA7}"/>
-              </a:ext>
-            </a:extLst>
-          </p:cNvPr>
-          <p:cNvSpPr txBox="1"/>
-          <p:nvPr/>
-        </p:nvSpPr>
-        <p:spPr>
-          <a:xfrm>
-            <a:off x="5975928" y="1299668"/>
-            <a:ext cx="3280130" cy="369332"/>
-          </a:xfrm>
-          <a:prstGeom prst="rect">
-            <a:avLst/>
-          </a:prstGeom>
-          <a:noFill/>
-        </p:spPr>
-        <p:txBody>
-          <a:bodyPr wrap="square">
-            <a:spAutoFit/>
-          </a:bodyPr>
-          <a:lstStyle/>
-          <a:p>
-            <a:pPr algn="l"/>
-            <a:r>
-              <a:rPr lang="zh-TW" altLang="en-US" dirty="0">
-                <a:solidFill>
-                  <a:srgbClr val="000000"/>
-                </a:solidFill>
-                <a:latin typeface="-apple-system"/>
-              </a:rPr>
-              <a:t>乒乓位移</a:t>
-            </a:r>
-            <a:r>
-              <a:rPr lang="en-US" altLang="zh-TW" dirty="0">
-                <a:solidFill>
-                  <a:srgbClr val="000000"/>
-                </a:solidFill>
-                <a:latin typeface="-apple-system"/>
-              </a:rPr>
-              <a:t>(</a:t>
-            </a:r>
-            <a:r>
-              <a:rPr lang="zh-TW" altLang="en-US" dirty="0">
-                <a:solidFill>
-                  <a:srgbClr val="000000"/>
-                </a:solidFill>
-                <a:latin typeface="-apple-system"/>
-              </a:rPr>
-              <a:t>除頻</a:t>
-            </a:r>
-            <a:r>
-              <a:rPr lang="en-US" altLang="zh-TW" dirty="0">
-                <a:solidFill>
-                  <a:srgbClr val="000000"/>
-                </a:solidFill>
-                <a:latin typeface="-apple-system"/>
-              </a:rPr>
-              <a:t>CLK)</a:t>
-            </a:r>
-            <a:r>
-              <a:rPr lang="zh-TW" altLang="en-US" dirty="0">
-                <a:solidFill>
-                  <a:srgbClr val="000000"/>
-                </a:solidFill>
-                <a:latin typeface="-apple-system"/>
-              </a:rPr>
-              <a:t>：</a:t>
-            </a:r>
-            <a:endParaRPr lang="zh-TW" altLang="en-US" b="0" i="0" dirty="0">
-              <a:solidFill>
-                <a:srgbClr val="000000"/>
-              </a:solidFill>
-              <a:effectLst/>
-              <a:latin typeface="-apple-system"/>
-            </a:endParaRPr>
-          </a:p>
-        </p:txBody>
-      </p:sp>
-      <p:pic>
-        <p:nvPicPr>
-          <p:cNvPr id="5" name="圖片 4">
-            <a:extLst>
-              <a:ext uri="{FF2B5EF4-FFF2-40B4-BE49-F238E27FC236}">
-                <a16:creationId xmlns:a16="http://schemas.microsoft.com/office/drawing/2014/main" id="{D571E589-A012-1090-F2DC-201A1953EA68}"/>
-              </a:ext>
-            </a:extLst>
-          </p:cNvPr>
-          <p:cNvPicPr>
-            <a:picLocks noChangeAspect="1"/>
-          </p:cNvPicPr>
-          <p:nvPr/>
-        </p:nvPicPr>
-        <p:blipFill>
-          <a:blip r:embed="rId3"/>
-          <a:stretch>
-            <a:fillRect/>
-          </a:stretch>
-        </p:blipFill>
-        <p:spPr>
-          <a:xfrm>
-            <a:off x="6096000" y="1828178"/>
-            <a:ext cx="4502044" cy="3893660"/>
-          </a:xfrm>
-          <a:prstGeom prst="rect">
-            <a:avLst/>
-          </a:prstGeom>
-          <a:ln w="28575">
-            <a:solidFill>
-              <a:srgbClr val="FF0000"/>
-            </a:solidFill>
-          </a:ln>
         </p:spPr>
       </p:pic>
     </p:spTree>
     <p:extLst>
       <p:ext uri="{BB962C8B-B14F-4D97-AF65-F5344CB8AC3E}">
-        <p14:creationId xmlns:p14="http://schemas.microsoft.com/office/powerpoint/2010/main" val="3178300421"/>
+        <p14:creationId xmlns:p14="http://schemas.microsoft.com/office/powerpoint/2010/main" val="1266130332"/>
       </p:ext>
     </p:extLst>
   </p:cSld>
@@ -4213,7 +4041,7 @@
           <p:cNvPr id="3" name="標題 2">
             <a:extLst>
               <a:ext uri="{FF2B5EF4-FFF2-40B4-BE49-F238E27FC236}">
-                <a16:creationId xmlns:a16="http://schemas.microsoft.com/office/drawing/2014/main" id="{35526062-E629-CC2F-A35B-BF2657A54537}"/>
+                <a16:creationId xmlns:a16="http://schemas.microsoft.com/office/drawing/2014/main" id="{B5BA41B9-5DAC-617A-631D-40211BF8BF8B}"/>
               </a:ext>
             </a:extLst>
           </p:cNvPr>
@@ -4226,136 +4054,26 @@
         </p:nvSpPr>
         <p:spPr/>
         <p:txBody>
-          <a:bodyPr>
-            <a:normAutofit/>
-          </a:bodyPr>
-          <a:lstStyle/>
-          <a:p>
-            <a:r>
-              <a:rPr lang="en-US" altLang="zh-TW" sz="4000" dirty="0">
-                <a:solidFill>
-                  <a:srgbClr val="000000"/>
-                </a:solidFill>
-                <a:latin typeface="-apple-system"/>
-                <a:ea typeface="+mn-ea"/>
-                <a:cs typeface="+mn-cs"/>
-              </a:rPr>
-              <a:t>HW6</a:t>
-            </a:r>
-          </a:p>
-        </p:txBody>
-      </p:sp>
-      <p:sp>
-        <p:nvSpPr>
-          <p:cNvPr id="17" name="文字方塊 16">
+          <a:bodyPr/>
+          <a:lstStyle/>
+          <a:p>
+            <a:r>
+              <a:rPr lang="en-US" altLang="zh-TW" dirty="0"/>
+              <a:t>HW6-VGA</a:t>
+            </a:r>
+            <a:r>
+              <a:rPr lang="zh-TW" altLang="en-US" dirty="0"/>
+              <a:t>乒乓</a:t>
+            </a:r>
+          </a:p>
+        </p:txBody>
+      </p:sp>
+      <p:pic>
+        <p:nvPicPr>
+          <p:cNvPr id="8" name="圖片 7">
             <a:extLst>
               <a:ext uri="{FF2B5EF4-FFF2-40B4-BE49-F238E27FC236}">
-                <a16:creationId xmlns:a16="http://schemas.microsoft.com/office/drawing/2014/main" id="{A3F708B7-CAF6-4D9F-7CB6-FC671B20F59A}"/>
-              </a:ext>
-            </a:extLst>
-          </p:cNvPr>
-          <p:cNvSpPr txBox="1"/>
-          <p:nvPr/>
-        </p:nvSpPr>
-        <p:spPr>
-          <a:xfrm>
-            <a:off x="5527393" y="1975835"/>
-            <a:ext cx="1037595" cy="307777"/>
-          </a:xfrm>
-          <a:prstGeom prst="rect">
-            <a:avLst/>
-          </a:prstGeom>
-          <a:noFill/>
-        </p:spPr>
-        <p:txBody>
-          <a:bodyPr wrap="square">
-            <a:spAutoFit/>
-          </a:bodyPr>
-          <a:lstStyle/>
-          <a:p>
-            <a:pPr algn="l"/>
-            <a:r>
-              <a:rPr lang="zh-TW" altLang="en-US" sz="1400" dirty="0">
-                <a:solidFill>
-                  <a:schemeClr val="bg1"/>
-                </a:solidFill>
-                <a:latin typeface="-apple-system"/>
-              </a:rPr>
-              <a:t>發球</a:t>
-            </a:r>
-            <a:endParaRPr lang="zh-TW" altLang="en-US" sz="1400" b="0" i="0" dirty="0">
-              <a:solidFill>
-                <a:schemeClr val="bg1"/>
-              </a:solidFill>
-              <a:effectLst/>
-              <a:latin typeface="-apple-system"/>
-            </a:endParaRPr>
-          </a:p>
-        </p:txBody>
-      </p:sp>
-      <p:sp>
-        <p:nvSpPr>
-          <p:cNvPr id="9" name="文字方塊 8">
-            <a:extLst>
-              <a:ext uri="{FF2B5EF4-FFF2-40B4-BE49-F238E27FC236}">
-                <a16:creationId xmlns:a16="http://schemas.microsoft.com/office/drawing/2014/main" id="{868D8E1E-01AD-DBCA-B342-F97DAB7366AC}"/>
-              </a:ext>
-            </a:extLst>
-          </p:cNvPr>
-          <p:cNvSpPr txBox="1"/>
-          <p:nvPr/>
-        </p:nvSpPr>
-        <p:spPr>
-          <a:xfrm>
-            <a:off x="5623734" y="2182995"/>
-            <a:ext cx="941254" cy="369332"/>
-          </a:xfrm>
-          <a:prstGeom prst="rect">
-            <a:avLst/>
-          </a:prstGeom>
-          <a:noFill/>
-        </p:spPr>
-        <p:txBody>
-          <a:bodyPr wrap="square">
-            <a:spAutoFit/>
-          </a:bodyPr>
-          <a:lstStyle/>
-          <a:p>
-            <a:pPr algn="l"/>
-            <a:r>
-              <a:rPr lang="en-US" altLang="zh-TW" dirty="0" err="1">
-                <a:solidFill>
-                  <a:srgbClr val="000000"/>
-                </a:solidFill>
-                <a:latin typeface="-apple-system"/>
-              </a:rPr>
-              <a:t>Inout</a:t>
-            </a:r>
-            <a:r>
-              <a:rPr lang="zh-TW" altLang="en-US" dirty="0">
-                <a:solidFill>
-                  <a:srgbClr val="000000"/>
-                </a:solidFill>
-                <a:latin typeface="-apple-system"/>
-              </a:rPr>
-              <a:t>：</a:t>
-            </a:r>
-            <a:endParaRPr lang="zh-TW" altLang="en-US" b="0" i="0" dirty="0">
-              <a:solidFill>
-                <a:srgbClr val="000000"/>
-              </a:solidFill>
-              <a:effectLst/>
-              <a:latin typeface="-apple-system"/>
-            </a:endParaRPr>
-          </a:p>
-        </p:txBody>
-      </p:sp>
-      <p:pic>
-        <p:nvPicPr>
-          <p:cNvPr id="5" name="圖片 4">
-            <a:extLst>
-              <a:ext uri="{FF2B5EF4-FFF2-40B4-BE49-F238E27FC236}">
-                <a16:creationId xmlns:a16="http://schemas.microsoft.com/office/drawing/2014/main" id="{E4146EEA-2096-1EC5-A394-CDC506C4643B}"/>
+                <a16:creationId xmlns:a16="http://schemas.microsoft.com/office/drawing/2014/main" id="{0968B1D5-0F1F-F502-805E-B1003FE38958}"/>
               </a:ext>
             </a:extLst>
           </p:cNvPr>
@@ -4372,25 +4090,20 @@
         </p:blipFill>
         <p:spPr>
           <a:xfrm>
-            <a:off x="3985917" y="2691839"/>
-            <a:ext cx="4220164" cy="1867161"/>
+            <a:off x="3323838" y="1887810"/>
+            <a:ext cx="5544324" cy="3658111"/>
           </a:xfrm>
           <a:prstGeom prst="rect">
             <a:avLst/>
           </a:prstGeom>
-          <a:ln w="28575">
-            <a:solidFill>
-              <a:srgbClr val="FF0000"/>
-            </a:solidFill>
-          </a:ln>
         </p:spPr>
       </p:pic>
       <p:sp>
         <p:nvSpPr>
-          <p:cNvPr id="2" name="文字方塊 1">
+          <p:cNvPr id="9" name="文字方塊 8">
             <a:extLst>
               <a:ext uri="{FF2B5EF4-FFF2-40B4-BE49-F238E27FC236}">
-                <a16:creationId xmlns:a16="http://schemas.microsoft.com/office/drawing/2014/main" id="{129E8FFE-34FA-0910-FEA0-D1AB283284AD}"/>
+                <a16:creationId xmlns:a16="http://schemas.microsoft.com/office/drawing/2014/main" id="{F2413E72-DF22-FA18-1BAA-C1B0963BA5B7}"/>
               </a:ext>
             </a:extLst>
           </p:cNvPr>
@@ -4399,8 +4112,8 @@
         </p:nvSpPr>
         <p:spPr>
           <a:xfrm>
-            <a:off x="4484917" y="4782561"/>
-            <a:ext cx="3218888" cy="369332"/>
+            <a:off x="1574800" y="1635667"/>
+            <a:ext cx="1464733" cy="369332"/>
           </a:xfrm>
           <a:prstGeom prst="rect">
             <a:avLst/>
@@ -4413,66 +4126,28 @@
           </a:bodyPr>
           <a:lstStyle/>
           <a:p>
-            <a:pPr algn="l"/>
+            <a:r>
+              <a:rPr lang="en-US" altLang="zh-TW" dirty="0">
+                <a:latin typeface="標楷體" panose="03000509000000000000" pitchFamily="65" charset="-120"/>
+                <a:ea typeface="標楷體" panose="03000509000000000000" pitchFamily="65" charset="-120"/>
+              </a:rPr>
+              <a:t>FSM</a:t>
+            </a:r>
             <a:r>
               <a:rPr lang="zh-TW" altLang="en-US" dirty="0">
-                <a:solidFill>
-                  <a:srgbClr val="000000"/>
-                </a:solidFill>
-                <a:latin typeface="-apple-system"/>
+                <a:latin typeface="標楷體" panose="03000509000000000000" pitchFamily="65" charset="-120"/>
+                <a:ea typeface="標楷體" panose="03000509000000000000" pitchFamily="65" charset="-120"/>
               </a:rPr>
-              <a:t>由</a:t>
-            </a:r>
-            <a:r>
-              <a:rPr lang="en-US" altLang="zh-TW" dirty="0">
-                <a:solidFill>
-                  <a:srgbClr val="000000"/>
-                </a:solidFill>
-                <a:latin typeface="-apple-system"/>
-              </a:rPr>
-              <a:t>LED</a:t>
-            </a:r>
-            <a:r>
-              <a:rPr lang="zh-TW" altLang="en-US" dirty="0">
-                <a:solidFill>
-                  <a:srgbClr val="000000"/>
-                </a:solidFill>
-                <a:latin typeface="-apple-system"/>
-              </a:rPr>
-              <a:t>來決定是否要給</a:t>
-            </a:r>
-            <a:r>
-              <a:rPr lang="en-US" altLang="zh-TW" dirty="0">
-                <a:solidFill>
-                  <a:srgbClr val="000000"/>
-                </a:solidFill>
-                <a:latin typeface="-apple-system"/>
-              </a:rPr>
-              <a:t>IO</a:t>
-            </a:r>
-            <a:r>
-              <a:rPr lang="zh-TW" altLang="en-US" dirty="0">
-                <a:solidFill>
-                  <a:srgbClr val="000000"/>
-                </a:solidFill>
-                <a:latin typeface="-apple-system"/>
-              </a:rPr>
-              <a:t>訊號</a:t>
-            </a:r>
-            <a:endParaRPr lang="zh-TW" altLang="en-US" b="0" i="0" dirty="0">
-              <a:solidFill>
-                <a:srgbClr val="000000"/>
-              </a:solidFill>
-              <a:effectLst/>
-              <a:latin typeface="-apple-system"/>
-            </a:endParaRPr>
+              <a:t>：</a:t>
+            </a:r>
+            <a:endParaRPr lang="zh-TW" altLang="en-US" dirty="0"/>
           </a:p>
         </p:txBody>
       </p:sp>
     </p:spTree>
     <p:extLst>
       <p:ext uri="{BB962C8B-B14F-4D97-AF65-F5344CB8AC3E}">
-        <p14:creationId xmlns:p14="http://schemas.microsoft.com/office/powerpoint/2010/main" val="1912160672"/>
+        <p14:creationId xmlns:p14="http://schemas.microsoft.com/office/powerpoint/2010/main" val="2107307463"/>
       </p:ext>
     </p:extLst>
   </p:cSld>
@@ -4504,7 +4179,7 @@
           <p:cNvPr id="3" name="標題 2">
             <a:extLst>
               <a:ext uri="{FF2B5EF4-FFF2-40B4-BE49-F238E27FC236}">
-                <a16:creationId xmlns:a16="http://schemas.microsoft.com/office/drawing/2014/main" id="{35526062-E629-CC2F-A35B-BF2657A54537}"/>
+                <a16:creationId xmlns:a16="http://schemas.microsoft.com/office/drawing/2014/main" id="{8E04D3EC-0E4B-7846-1BBE-206A49EE32A8}"/>
               </a:ext>
             </a:extLst>
           </p:cNvPr>
@@ -4517,31 +4192,26 @@
         </p:nvSpPr>
         <p:spPr/>
         <p:txBody>
-          <a:bodyPr>
-            <a:normAutofit/>
-          </a:bodyPr>
-          <a:lstStyle/>
-          <a:p>
-            <a:r>
-              <a:rPr lang="en-US" altLang="zh-TW" sz="4000" dirty="0">
-                <a:solidFill>
-                  <a:srgbClr val="000000"/>
-                </a:solidFill>
-                <a:latin typeface="-apple-system"/>
-                <a:ea typeface="+mn-ea"/>
-                <a:cs typeface="+mn-cs"/>
-              </a:rPr>
-              <a:t>HW6</a:t>
+          <a:bodyPr/>
+          <a:lstStyle/>
+          <a:p>
+            <a:r>
+              <a:rPr lang="en-US" altLang="zh-TW" dirty="0"/>
+              <a:t>HW6-VGA</a:t>
+            </a:r>
+            <a:r>
+              <a:rPr lang="zh-TW" altLang="en-US" dirty="0"/>
+              <a:t>乒乓</a:t>
             </a:r>
           </a:p>
         </p:txBody>
       </p:sp>
       <p:pic>
         <p:nvPicPr>
-          <p:cNvPr id="6" name="圖片 5">
+          <p:cNvPr id="10" name="圖片 9">
             <a:extLst>
               <a:ext uri="{FF2B5EF4-FFF2-40B4-BE49-F238E27FC236}">
-                <a16:creationId xmlns:a16="http://schemas.microsoft.com/office/drawing/2014/main" id="{9247575E-307A-9ECA-FDF3-AD11AE124CC3}"/>
+                <a16:creationId xmlns:a16="http://schemas.microsoft.com/office/drawing/2014/main" id="{C767786D-ADD3-A616-35C3-3CF4CEB701B0}"/>
               </a:ext>
             </a:extLst>
           </p:cNvPr>
@@ -4558,8 +4228,8 @@
         </p:blipFill>
         <p:spPr>
           <a:xfrm>
-            <a:off x="930562" y="1499479"/>
-            <a:ext cx="9555963" cy="3275734"/>
+            <a:off x="1003971" y="1896277"/>
+            <a:ext cx="5544324" cy="3658111"/>
           </a:xfrm>
           <a:prstGeom prst="rect">
             <a:avLst/>
@@ -4568,10 +4238,10 @@
       </p:pic>
       <p:sp>
         <p:nvSpPr>
-          <p:cNvPr id="7" name="橢圓 6">
+          <p:cNvPr id="12" name="橢圓 11">
             <a:extLst>
               <a:ext uri="{FF2B5EF4-FFF2-40B4-BE49-F238E27FC236}">
-                <a16:creationId xmlns:a16="http://schemas.microsoft.com/office/drawing/2014/main" id="{275A23E6-D9FC-C1B5-C009-E2A68F456EEF}"/>
+                <a16:creationId xmlns:a16="http://schemas.microsoft.com/office/drawing/2014/main" id="{36BAACA9-EE5F-6E02-8154-F7B708494FD9}"/>
               </a:ext>
             </a:extLst>
           </p:cNvPr>
@@ -4580,14 +4250,14 @@
         </p:nvSpPr>
         <p:spPr>
           <a:xfrm>
-            <a:off x="4424218" y="2854036"/>
-            <a:ext cx="406400" cy="387928"/>
+            <a:off x="2209800" y="3345349"/>
+            <a:ext cx="990600" cy="759966"/>
           </a:xfrm>
           <a:prstGeom prst="ellipse">
             <a:avLst/>
           </a:prstGeom>
           <a:noFill/>
-          <a:ln w="28575">
+          <a:ln w="38100">
             <a:solidFill>
               <a:srgbClr val="FF0000"/>
             </a:solidFill>
@@ -4618,105 +4288,12 @@
           </a:p>
         </p:txBody>
       </p:sp>
-      <p:cxnSp>
-        <p:nvCxnSpPr>
-          <p:cNvPr id="11" name="直線單箭頭接點 10">
+      <p:sp>
+        <p:nvSpPr>
+          <p:cNvPr id="13" name="橢圓 12">
             <a:extLst>
               <a:ext uri="{FF2B5EF4-FFF2-40B4-BE49-F238E27FC236}">
-                <a16:creationId xmlns:a16="http://schemas.microsoft.com/office/drawing/2014/main" id="{281456D7-9C60-8662-34F4-E5C7F7E59285}"/>
-              </a:ext>
-            </a:extLst>
-          </p:cNvPr>
-          <p:cNvCxnSpPr>
-            <a:cxnSpLocks/>
-            <a:stCxn id="7" idx="7"/>
-          </p:cNvCxnSpPr>
-          <p:nvPr/>
-        </p:nvCxnSpPr>
-        <p:spPr>
-          <a:xfrm flipV="1">
-            <a:off x="4771102" y="2262909"/>
-            <a:ext cx="225771" cy="647938"/>
-          </a:xfrm>
-          <a:prstGeom prst="straightConnector1">
-            <a:avLst/>
-          </a:prstGeom>
-          <a:ln w="19050">
-            <a:solidFill>
-              <a:srgbClr val="FF0000"/>
-            </a:solidFill>
-            <a:tailEnd type="triangle"/>
-          </a:ln>
-        </p:spPr>
-        <p:style>
-          <a:lnRef idx="1">
-            <a:schemeClr val="accent1"/>
-          </a:lnRef>
-          <a:fillRef idx="0">
-            <a:schemeClr val="accent1"/>
-          </a:fillRef>
-          <a:effectRef idx="0">
-            <a:schemeClr val="accent1"/>
-          </a:effectRef>
-          <a:fontRef idx="minor">
-            <a:schemeClr val="tx1"/>
-          </a:fontRef>
-        </p:style>
-      </p:cxnSp>
-      <p:sp>
-        <p:nvSpPr>
-          <p:cNvPr id="13" name="文字方塊 12">
-            <a:extLst>
-              <a:ext uri="{FF2B5EF4-FFF2-40B4-BE49-F238E27FC236}">
-                <a16:creationId xmlns:a16="http://schemas.microsoft.com/office/drawing/2014/main" id="{5F5386B0-108C-CF0C-60AD-83E8704D0FBF}"/>
-              </a:ext>
-            </a:extLst>
-          </p:cNvPr>
-          <p:cNvSpPr txBox="1"/>
-          <p:nvPr/>
-        </p:nvSpPr>
-        <p:spPr>
-          <a:xfrm>
-            <a:off x="4523216" y="1946282"/>
-            <a:ext cx="1037595" cy="307777"/>
-          </a:xfrm>
-          <a:prstGeom prst="rect">
-            <a:avLst/>
-          </a:prstGeom>
-          <a:noFill/>
-        </p:spPr>
-        <p:txBody>
-          <a:bodyPr wrap="square">
-            <a:spAutoFit/>
-          </a:bodyPr>
-          <a:lstStyle/>
-          <a:p>
-            <a:pPr algn="l"/>
-            <a:r>
-              <a:rPr lang="zh-TW" altLang="en-US" sz="1400" dirty="0">
-                <a:solidFill>
-                  <a:schemeClr val="bg1"/>
-                </a:solidFill>
-                <a:latin typeface="-apple-system"/>
-              </a:rPr>
-              <a:t>決定發球</a:t>
-            </a:r>
-            <a:endParaRPr lang="zh-TW" altLang="en-US" sz="1400" b="0" i="0" dirty="0">
-              <a:solidFill>
-                <a:schemeClr val="bg1"/>
-              </a:solidFill>
-              <a:effectLst/>
-              <a:latin typeface="-apple-system"/>
-            </a:endParaRPr>
-          </a:p>
-        </p:txBody>
-      </p:sp>
-      <p:sp>
-        <p:nvSpPr>
-          <p:cNvPr id="15" name="橢圓 14">
-            <a:extLst>
-              <a:ext uri="{FF2B5EF4-FFF2-40B4-BE49-F238E27FC236}">
-                <a16:creationId xmlns:a16="http://schemas.microsoft.com/office/drawing/2014/main" id="{65E16CDC-E8D5-3181-2EA1-9D9DE1499BAB}"/>
+                <a16:creationId xmlns:a16="http://schemas.microsoft.com/office/drawing/2014/main" id="{BF771EAB-3886-C1CE-CDFF-7B126422D1FE}"/>
               </a:ext>
             </a:extLst>
           </p:cNvPr>
@@ -4725,14 +4302,14 @@
         </p:nvSpPr>
         <p:spPr>
           <a:xfrm>
-            <a:off x="4864442" y="2854036"/>
-            <a:ext cx="406400" cy="387928"/>
+            <a:off x="4224866" y="3345349"/>
+            <a:ext cx="990600" cy="759966"/>
           </a:xfrm>
           <a:prstGeom prst="ellipse">
             <a:avLst/>
           </a:prstGeom>
           <a:noFill/>
-          <a:ln w="28575">
+          <a:ln w="38100">
             <a:solidFill>
               <a:srgbClr val="FF0000"/>
             </a:solidFill>
@@ -4763,56 +4340,186 @@
           </a:p>
         </p:txBody>
       </p:sp>
-      <p:cxnSp>
-        <p:nvCxnSpPr>
-          <p:cNvPr id="16" name="直線單箭頭接點 15">
+      <p:grpSp>
+        <p:nvGrpSpPr>
+          <p:cNvPr id="18" name="群組 17">
             <a:extLst>
               <a:ext uri="{FF2B5EF4-FFF2-40B4-BE49-F238E27FC236}">
-                <a16:creationId xmlns:a16="http://schemas.microsoft.com/office/drawing/2014/main" id="{42685950-7ED9-C529-223F-FAF3BE2D90A2}"/>
+                <a16:creationId xmlns:a16="http://schemas.microsoft.com/office/drawing/2014/main" id="{B41BDFCB-0CF3-A8ED-CF96-1EE89EC93304}"/>
               </a:ext>
             </a:extLst>
           </p:cNvPr>
-          <p:cNvCxnSpPr>
-            <a:cxnSpLocks/>
-          </p:cNvCxnSpPr>
+          <p:cNvGrpSpPr/>
           <p:nvPr/>
-        </p:nvCxnSpPr>
-        <p:spPr>
-          <a:xfrm flipV="1">
-            <a:off x="5202089" y="2277231"/>
-            <a:ext cx="506455" cy="640861"/>
+        </p:nvGrpSpPr>
+        <p:grpSpPr>
+          <a:xfrm>
+            <a:off x="2954693" y="2767573"/>
+            <a:ext cx="4676400" cy="619560"/>
+            <a:chOff x="2954693" y="2767573"/>
+            <a:chExt cx="4676400" cy="619560"/>
           </a:xfrm>
-          <a:prstGeom prst="straightConnector1">
-            <a:avLst/>
-          </a:prstGeom>
-          <a:ln w="19050">
-            <a:solidFill>
-              <a:srgbClr val="FF0000"/>
-            </a:solidFill>
-            <a:tailEnd type="triangle"/>
-          </a:ln>
-        </p:spPr>
-        <p:style>
-          <a:lnRef idx="1">
-            <a:schemeClr val="accent1"/>
-          </a:lnRef>
-          <a:fillRef idx="0">
-            <a:schemeClr val="accent1"/>
-          </a:fillRef>
-          <a:effectRef idx="0">
-            <a:schemeClr val="accent1"/>
-          </a:effectRef>
-          <a:fontRef idx="minor">
-            <a:schemeClr val="tx1"/>
-          </a:fontRef>
-        </p:style>
-      </p:cxnSp>
-      <p:sp>
-        <p:nvSpPr>
-          <p:cNvPr id="17" name="文字方塊 16">
+        </p:grpSpPr>
+        <mc:AlternateContent xmlns:mc="http://schemas.openxmlformats.org/markup-compatibility/2006">
+          <mc:Choice xmlns:p14="http://schemas.microsoft.com/office/powerpoint/2010/main" Requires="p14">
+            <p:contentPart p14:bwMode="auto" r:id="rId3">
+              <p14:nvContentPartPr>
+                <p14:cNvPr id="14" name="筆跡 13">
+                  <a:extLst>
+                    <a:ext uri="{FF2B5EF4-FFF2-40B4-BE49-F238E27FC236}">
+                      <a16:creationId xmlns:a16="http://schemas.microsoft.com/office/drawing/2014/main" id="{0CBE5A06-5C9B-40CB-5C37-57EC0808B8B0}"/>
+                    </a:ext>
+                  </a:extLst>
+                </p14:cNvPr>
+                <p14:cNvContentPartPr/>
+                <p14:nvPr/>
+              </p14:nvContentPartPr>
+              <p14:xfrm>
+                <a:off x="2954693" y="2767573"/>
+                <a:ext cx="4628160" cy="619560"/>
+              </p14:xfrm>
+            </p:contentPart>
+          </mc:Choice>
+          <mc:Fallback>
+            <p:pic>
+              <p:nvPicPr>
+                <p:cNvPr id="14" name="筆跡 13">
+                  <a:extLst>
+                    <a:ext uri="{FF2B5EF4-FFF2-40B4-BE49-F238E27FC236}">
+                      <a16:creationId xmlns:a16="http://schemas.microsoft.com/office/drawing/2014/main" id="{0CBE5A06-5C9B-40CB-5C37-57EC0808B8B0}"/>
+                    </a:ext>
+                  </a:extLst>
+                </p:cNvPr>
+                <p:cNvPicPr/>
+                <p:nvPr/>
+              </p:nvPicPr>
+              <p:blipFill>
+                <a:blip r:embed="rId4"/>
+                <a:stretch>
+                  <a:fillRect/>
+                </a:stretch>
+              </p:blipFill>
+              <p:spPr>
+                <a:xfrm>
+                  <a:off x="2948573" y="2761453"/>
+                  <a:ext cx="4640400" cy="631800"/>
+                </a:xfrm>
+                <a:prstGeom prst="rect">
+                  <a:avLst/>
+                </a:prstGeom>
+              </p:spPr>
+            </p:pic>
+          </mc:Fallback>
+        </mc:AlternateContent>
+        <mc:AlternateContent xmlns:mc="http://schemas.openxmlformats.org/markup-compatibility/2006">
+          <mc:Choice xmlns:p14="http://schemas.microsoft.com/office/powerpoint/2010/main" Requires="p14">
+            <p:contentPart p14:bwMode="auto" r:id="rId5">
+              <p14:nvContentPartPr>
+                <p14:cNvPr id="15" name="筆跡 14">
+                  <a:extLst>
+                    <a:ext uri="{FF2B5EF4-FFF2-40B4-BE49-F238E27FC236}">
+                      <a16:creationId xmlns:a16="http://schemas.microsoft.com/office/drawing/2014/main" id="{F5817D35-5105-5A3B-13B9-6DB5525182E6}"/>
+                    </a:ext>
+                  </a:extLst>
+                </p14:cNvPr>
+                <p14:cNvContentPartPr/>
+                <p14:nvPr/>
+              </p14:nvContentPartPr>
+              <p14:xfrm>
+                <a:off x="4876733" y="2784853"/>
+                <a:ext cx="1709280" cy="593280"/>
+              </p14:xfrm>
+            </p:contentPart>
+          </mc:Choice>
+          <mc:Fallback>
+            <p:pic>
+              <p:nvPicPr>
+                <p:cNvPr id="15" name="筆跡 14">
+                  <a:extLst>
+                    <a:ext uri="{FF2B5EF4-FFF2-40B4-BE49-F238E27FC236}">
+                      <a16:creationId xmlns:a16="http://schemas.microsoft.com/office/drawing/2014/main" id="{F5817D35-5105-5A3B-13B9-6DB5525182E6}"/>
+                    </a:ext>
+                  </a:extLst>
+                </p:cNvPr>
+                <p:cNvPicPr/>
+                <p:nvPr/>
+              </p:nvPicPr>
+              <p:blipFill>
+                <a:blip r:embed="rId6"/>
+                <a:stretch>
+                  <a:fillRect/>
+                </a:stretch>
+              </p:blipFill>
+              <p:spPr>
+                <a:xfrm>
+                  <a:off x="4870613" y="2778733"/>
+                  <a:ext cx="1721520" cy="605520"/>
+                </a:xfrm>
+                <a:prstGeom prst="rect">
+                  <a:avLst/>
+                </a:prstGeom>
+              </p:spPr>
+            </p:pic>
+          </mc:Fallback>
+        </mc:AlternateContent>
+        <mc:AlternateContent xmlns:mc="http://schemas.openxmlformats.org/markup-compatibility/2006">
+          <mc:Choice xmlns:p14="http://schemas.microsoft.com/office/powerpoint/2010/main" Requires="p14">
+            <p:contentPart p14:bwMode="auto" r:id="rId7">
+              <p14:nvContentPartPr>
+                <p14:cNvPr id="17" name="筆跡 16">
+                  <a:extLst>
+                    <a:ext uri="{FF2B5EF4-FFF2-40B4-BE49-F238E27FC236}">
+                      <a16:creationId xmlns:a16="http://schemas.microsoft.com/office/drawing/2014/main" id="{FAD1EE3E-EB54-E125-DCE3-FCA0984950B0}"/>
+                    </a:ext>
+                  </a:extLst>
+                </p14:cNvPr>
+                <p14:cNvContentPartPr/>
+                <p14:nvPr/>
+              </p14:nvContentPartPr>
+              <p14:xfrm>
+                <a:off x="7475933" y="3054493"/>
+                <a:ext cx="155160" cy="156600"/>
+              </p14:xfrm>
+            </p:contentPart>
+          </mc:Choice>
+          <mc:Fallback>
+            <p:pic>
+              <p:nvPicPr>
+                <p:cNvPr id="17" name="筆跡 16">
+                  <a:extLst>
+                    <a:ext uri="{FF2B5EF4-FFF2-40B4-BE49-F238E27FC236}">
+                      <a16:creationId xmlns:a16="http://schemas.microsoft.com/office/drawing/2014/main" id="{FAD1EE3E-EB54-E125-DCE3-FCA0984950B0}"/>
+                    </a:ext>
+                  </a:extLst>
+                </p:cNvPr>
+                <p:cNvPicPr/>
+                <p:nvPr/>
+              </p:nvPicPr>
+              <p:blipFill>
+                <a:blip r:embed="rId8"/>
+                <a:stretch>
+                  <a:fillRect/>
+                </a:stretch>
+              </p:blipFill>
+              <p:spPr>
+                <a:xfrm>
+                  <a:off x="7469813" y="3048373"/>
+                  <a:ext cx="167400" cy="168840"/>
+                </a:xfrm>
+                <a:prstGeom prst="rect">
+                  <a:avLst/>
+                </a:prstGeom>
+              </p:spPr>
+            </p:pic>
+          </mc:Fallback>
+        </mc:AlternateContent>
+      </p:grpSp>
+      <p:sp>
+        <p:nvSpPr>
+          <p:cNvPr id="20" name="文字方塊 19">
             <a:extLst>
               <a:ext uri="{FF2B5EF4-FFF2-40B4-BE49-F238E27FC236}">
-                <a16:creationId xmlns:a16="http://schemas.microsoft.com/office/drawing/2014/main" id="{A3F708B7-CAF6-4D9F-7CB6-FC671B20F59A}"/>
+                <a16:creationId xmlns:a16="http://schemas.microsoft.com/office/drawing/2014/main" id="{E420E70A-C316-D10B-0E87-6757459CE123}"/>
               </a:ext>
             </a:extLst>
           </p:cNvPr>
@@ -4821,8 +4528,8 @@
         </p:nvSpPr>
         <p:spPr>
           <a:xfrm>
-            <a:off x="5527393" y="1975835"/>
-            <a:ext cx="1037595" cy="307777"/>
+            <a:off x="6701073" y="4595174"/>
+            <a:ext cx="4191585" cy="646331"/>
           </a:xfrm>
           <a:prstGeom prst="rect">
             <a:avLst/>
@@ -4835,168 +4542,93 @@
           </a:bodyPr>
           <a:lstStyle/>
           <a:p>
-            <a:pPr algn="l"/>
-            <a:r>
-              <a:rPr lang="zh-TW" altLang="en-US" sz="1400" dirty="0">
-                <a:solidFill>
-                  <a:schemeClr val="bg1"/>
-                </a:solidFill>
-                <a:latin typeface="-apple-system"/>
+            <a:r>
+              <a:rPr lang="zh-TW" altLang="en-US" dirty="0">
+                <a:latin typeface="標楷體" panose="03000509000000000000" pitchFamily="65" charset="-120"/>
+                <a:ea typeface="標楷體" panose="03000509000000000000" pitchFamily="65" charset="-120"/>
               </a:rPr>
-              <a:t>發球</a:t>
-            </a:r>
-            <a:endParaRPr lang="zh-TW" altLang="en-US" sz="1400" b="0" i="0" dirty="0">
-              <a:solidFill>
-                <a:schemeClr val="bg1"/>
-              </a:solidFill>
-              <a:effectLst/>
-              <a:latin typeface="-apple-system"/>
-            </a:endParaRPr>
-          </a:p>
-        </p:txBody>
-      </p:sp>
-      <p:sp>
-        <p:nvSpPr>
-          <p:cNvPr id="20" name="橢圓 19">
+              <a:t>處理</a:t>
+            </a:r>
+            <a:r>
+              <a:rPr lang="en-US" altLang="zh-TW" dirty="0">
+                <a:latin typeface="標楷體" panose="03000509000000000000" pitchFamily="65" charset="-120"/>
+                <a:ea typeface="標楷體" panose="03000509000000000000" pitchFamily="65" charset="-120"/>
+              </a:rPr>
+              <a:t>LED</a:t>
+            </a:r>
+            <a:r>
+              <a:rPr lang="zh-TW" altLang="en-US" dirty="0">
+                <a:latin typeface="標楷體" panose="03000509000000000000" pitchFamily="65" charset="-120"/>
+                <a:ea typeface="標楷體" panose="03000509000000000000" pitchFamily="65" charset="-120"/>
+              </a:rPr>
+              <a:t>左右位移時，同時處理</a:t>
+            </a:r>
+            <a:r>
+              <a:rPr lang="en-US" altLang="zh-TW" dirty="0">
+                <a:latin typeface="標楷體" panose="03000509000000000000" pitchFamily="65" charset="-120"/>
+                <a:ea typeface="標楷體" panose="03000509000000000000" pitchFamily="65" charset="-120"/>
+              </a:rPr>
+              <a:t>VGA</a:t>
+            </a:r>
+            <a:r>
+              <a:rPr lang="zh-TW" altLang="en-US" dirty="0">
+                <a:latin typeface="標楷體" panose="03000509000000000000" pitchFamily="65" charset="-120"/>
+                <a:ea typeface="標楷體" panose="03000509000000000000" pitchFamily="65" charset="-120"/>
+              </a:rPr>
+              <a:t>上的圖形之</a:t>
+            </a:r>
+            <a:r>
+              <a:rPr lang="en-US" altLang="zh-TW" dirty="0">
+                <a:latin typeface="標楷體" panose="03000509000000000000" pitchFamily="65" charset="-120"/>
+                <a:ea typeface="標楷體" panose="03000509000000000000" pitchFamily="65" charset="-120"/>
+              </a:rPr>
+              <a:t>x</a:t>
+            </a:r>
+            <a:r>
+              <a:rPr lang="zh-TW" altLang="en-US" dirty="0">
+                <a:latin typeface="標楷體" panose="03000509000000000000" pitchFamily="65" charset="-120"/>
+                <a:ea typeface="標楷體" panose="03000509000000000000" pitchFamily="65" charset="-120"/>
+              </a:rPr>
+              <a:t>軸座標位移。</a:t>
+            </a:r>
+            <a:endParaRPr lang="zh-TW" altLang="en-US" dirty="0"/>
+          </a:p>
+        </p:txBody>
+      </p:sp>
+      <p:pic>
+        <p:nvPicPr>
+          <p:cNvPr id="22" name="圖片 21">
             <a:extLst>
               <a:ext uri="{FF2B5EF4-FFF2-40B4-BE49-F238E27FC236}">
-                <a16:creationId xmlns:a16="http://schemas.microsoft.com/office/drawing/2014/main" id="{85D36A1A-E8C6-F326-CDC1-7997A4487E20}"/>
+                <a16:creationId xmlns:a16="http://schemas.microsoft.com/office/drawing/2014/main" id="{439878D8-EE17-3AE5-E7DE-8F3562C43B65}"/>
               </a:ext>
             </a:extLst>
           </p:cNvPr>
-          <p:cNvSpPr/>
+          <p:cNvPicPr>
+            <a:picLocks noChangeAspect="1"/>
+          </p:cNvPicPr>
           <p:nvPr/>
-        </p:nvSpPr>
+        </p:nvPicPr>
+        <p:blipFill>
+          <a:blip r:embed="rId9"/>
+          <a:stretch>
+            <a:fillRect/>
+          </a:stretch>
+        </p:blipFill>
         <p:spPr>
           <a:xfrm>
-            <a:off x="8324273" y="3041072"/>
-            <a:ext cx="406400" cy="387928"/>
-          </a:xfrm>
-          <a:prstGeom prst="ellipse">
-            <a:avLst/>
-          </a:prstGeom>
-          <a:noFill/>
-          <a:ln w="28575">
-            <a:solidFill>
-              <a:srgbClr val="FF0000"/>
-            </a:solidFill>
-          </a:ln>
-        </p:spPr>
-        <p:style>
-          <a:lnRef idx="2">
-            <a:schemeClr val="accent1">
-              <a:shade val="15000"/>
-            </a:schemeClr>
-          </a:lnRef>
-          <a:fillRef idx="1">
-            <a:schemeClr val="accent1"/>
-          </a:fillRef>
-          <a:effectRef idx="0">
-            <a:schemeClr val="accent1"/>
-          </a:effectRef>
-          <a:fontRef idx="minor">
-            <a:schemeClr val="lt1"/>
-          </a:fontRef>
-        </p:style>
-        <p:txBody>
-          <a:bodyPr rtlCol="0" anchor="ctr"/>
-          <a:lstStyle/>
-          <a:p>
-            <a:pPr algn="ctr"/>
-            <a:endParaRPr lang="zh-TW" altLang="en-US"/>
-          </a:p>
-        </p:txBody>
-      </p:sp>
-      <p:cxnSp>
-        <p:nvCxnSpPr>
-          <p:cNvPr id="23" name="直線單箭頭接點 22">
-            <a:extLst>
-              <a:ext uri="{FF2B5EF4-FFF2-40B4-BE49-F238E27FC236}">
-                <a16:creationId xmlns:a16="http://schemas.microsoft.com/office/drawing/2014/main" id="{327DED0A-E513-5341-9AD1-F5DEC273AB0A}"/>
-              </a:ext>
-            </a:extLst>
-          </p:cNvPr>
-          <p:cNvCxnSpPr>
-            <a:cxnSpLocks/>
-          </p:cNvCxnSpPr>
-          <p:nvPr/>
-        </p:nvCxnSpPr>
-        <p:spPr>
-          <a:xfrm flipV="1">
-            <a:off x="8549993" y="2431830"/>
-            <a:ext cx="506455" cy="640861"/>
-          </a:xfrm>
-          <a:prstGeom prst="straightConnector1">
-            <a:avLst/>
-          </a:prstGeom>
-          <a:ln w="19050">
-            <a:solidFill>
-              <a:srgbClr val="FF0000"/>
-            </a:solidFill>
-            <a:tailEnd type="triangle"/>
-          </a:ln>
-        </p:spPr>
-        <p:style>
-          <a:lnRef idx="1">
-            <a:schemeClr val="accent1"/>
-          </a:lnRef>
-          <a:fillRef idx="0">
-            <a:schemeClr val="accent1"/>
-          </a:fillRef>
-          <a:effectRef idx="0">
-            <a:schemeClr val="accent1"/>
-          </a:effectRef>
-          <a:fontRef idx="minor">
-            <a:schemeClr val="tx1"/>
-          </a:fontRef>
-        </p:style>
-      </p:cxnSp>
-      <p:sp>
-        <p:nvSpPr>
-          <p:cNvPr id="25" name="文字方塊 24">
-            <a:extLst>
-              <a:ext uri="{FF2B5EF4-FFF2-40B4-BE49-F238E27FC236}">
-                <a16:creationId xmlns:a16="http://schemas.microsoft.com/office/drawing/2014/main" id="{806A0515-AAA7-6A64-2278-CB2418E5CBFD}"/>
-              </a:ext>
-            </a:extLst>
-          </p:cNvPr>
-          <p:cNvSpPr txBox="1"/>
-          <p:nvPr/>
-        </p:nvSpPr>
-        <p:spPr>
-          <a:xfrm>
-            <a:off x="8775740" y="2070765"/>
-            <a:ext cx="1037595" cy="307777"/>
+            <a:off x="6691547" y="3345349"/>
+            <a:ext cx="4201111" cy="1152686"/>
           </a:xfrm>
           <a:prstGeom prst="rect">
             <a:avLst/>
           </a:prstGeom>
-          <a:noFill/>
         </p:spPr>
-        <p:txBody>
-          <a:bodyPr wrap="square">
-            <a:spAutoFit/>
-          </a:bodyPr>
-          <a:lstStyle/>
-          <a:p>
-            <a:pPr algn="l"/>
-            <a:r>
-              <a:rPr lang="zh-TW" altLang="en-US" sz="1400" b="0" i="0" dirty="0">
-                <a:solidFill>
-                  <a:schemeClr val="bg1"/>
-                </a:solidFill>
-                <a:effectLst/>
-                <a:latin typeface="-apple-system"/>
-              </a:rPr>
-              <a:t>回擊</a:t>
-            </a:r>
-          </a:p>
-        </p:txBody>
-      </p:sp>
+      </p:pic>
     </p:spTree>
     <p:extLst>
       <p:ext uri="{BB962C8B-B14F-4D97-AF65-F5344CB8AC3E}">
-        <p14:creationId xmlns:p14="http://schemas.microsoft.com/office/powerpoint/2010/main" val="4214918968"/>
+        <p14:creationId xmlns:p14="http://schemas.microsoft.com/office/powerpoint/2010/main" val="817019138"/>
       </p:ext>
     </p:extLst>
   </p:cSld>
@@ -5028,7 +4660,7 @@
           <p:cNvPr id="3" name="標題 2">
             <a:extLst>
               <a:ext uri="{FF2B5EF4-FFF2-40B4-BE49-F238E27FC236}">
-                <a16:creationId xmlns:a16="http://schemas.microsoft.com/office/drawing/2014/main" id="{35526062-E629-CC2F-A35B-BF2657A54537}"/>
+                <a16:creationId xmlns:a16="http://schemas.microsoft.com/office/drawing/2014/main" id="{8E04D3EC-0E4B-7846-1BBE-206A49EE32A8}"/>
               </a:ext>
             </a:extLst>
           </p:cNvPr>
@@ -5041,31 +4673,55 @@
         </p:nvSpPr>
         <p:spPr/>
         <p:txBody>
-          <a:bodyPr>
-            <a:normAutofit/>
-          </a:bodyPr>
-          <a:lstStyle/>
-          <a:p>
-            <a:r>
-              <a:rPr lang="en-US" altLang="zh-TW" sz="4000" dirty="0">
-                <a:solidFill>
-                  <a:srgbClr val="000000"/>
-                </a:solidFill>
-                <a:latin typeface="-apple-system"/>
-                <a:ea typeface="+mn-ea"/>
-                <a:cs typeface="+mn-cs"/>
-              </a:rPr>
-              <a:t>HW6</a:t>
-            </a:r>
-          </a:p>
-        </p:txBody>
-      </p:sp>
-      <p:sp>
-        <p:nvSpPr>
-          <p:cNvPr id="4" name="文字方塊 3">
+          <a:bodyPr/>
+          <a:lstStyle/>
+          <a:p>
+            <a:r>
+              <a:rPr lang="en-US" altLang="zh-TW" dirty="0"/>
+              <a:t>HW6-VGA</a:t>
+            </a:r>
+            <a:r>
+              <a:rPr lang="zh-TW" altLang="en-US" dirty="0"/>
+              <a:t>乒乓</a:t>
+            </a:r>
+          </a:p>
+        </p:txBody>
+      </p:sp>
+      <p:pic>
+        <p:nvPicPr>
+          <p:cNvPr id="24" name="圖片 23">
             <a:extLst>
               <a:ext uri="{FF2B5EF4-FFF2-40B4-BE49-F238E27FC236}">
-                <a16:creationId xmlns:a16="http://schemas.microsoft.com/office/drawing/2014/main" id="{E4EDB4E0-D810-098C-CD15-80E6E1AE2701}"/>
+                <a16:creationId xmlns:a16="http://schemas.microsoft.com/office/drawing/2014/main" id="{E4F7483C-A9FB-3FE3-221B-A12F1191611F}"/>
+              </a:ext>
+            </a:extLst>
+          </p:cNvPr>
+          <p:cNvPicPr>
+            <a:picLocks noChangeAspect="1"/>
+          </p:cNvPicPr>
+          <p:nvPr/>
+        </p:nvPicPr>
+        <p:blipFill rotWithShape="1">
+          <a:blip r:embed="rId2"/>
+          <a:srcRect t="1060"/>
+          <a:stretch/>
+        </p:blipFill>
+        <p:spPr>
+          <a:xfrm>
+            <a:off x="2377139" y="1946696"/>
+            <a:ext cx="7437722" cy="2311400"/>
+          </a:xfrm>
+          <a:prstGeom prst="rect">
+            <a:avLst/>
+          </a:prstGeom>
+        </p:spPr>
+      </p:pic>
+      <p:sp>
+        <p:nvSpPr>
+          <p:cNvPr id="2" name="文字方塊 1">
+            <a:extLst>
+              <a:ext uri="{FF2B5EF4-FFF2-40B4-BE49-F238E27FC236}">
+                <a16:creationId xmlns:a16="http://schemas.microsoft.com/office/drawing/2014/main" id="{B8751EB2-C74C-C19D-63D0-08BCD7A1DDFB}"/>
               </a:ext>
             </a:extLst>
           </p:cNvPr>
@@ -5074,8 +4730,8 @@
         </p:nvSpPr>
         <p:spPr>
           <a:xfrm>
-            <a:off x="5444373" y="1358157"/>
-            <a:ext cx="2117900" cy="369332"/>
+            <a:off x="2377140" y="4398566"/>
+            <a:ext cx="7437721" cy="646331"/>
           </a:xfrm>
           <a:prstGeom prst="rect">
             <a:avLst/>
@@ -5088,51 +4744,128 @@
           </a:bodyPr>
           <a:lstStyle/>
           <a:p>
-            <a:pPr algn="l"/>
             <a:r>
               <a:rPr lang="zh-TW" altLang="en-US" dirty="0">
-                <a:solidFill>
-                  <a:srgbClr val="000000"/>
-                </a:solidFill>
-                <a:latin typeface="-apple-system"/>
+                <a:latin typeface="標楷體" panose="03000509000000000000" pitchFamily="65" charset="-120"/>
+                <a:ea typeface="標楷體" panose="03000509000000000000" pitchFamily="65" charset="-120"/>
               </a:rPr>
-              <a:t>影片</a:t>
+              <a:t>將乒乓球改為任意圖片：利用</a:t>
             </a:r>
             <a:r>
               <a:rPr lang="en-US" altLang="zh-TW" dirty="0">
-                <a:solidFill>
-                  <a:srgbClr val="000000"/>
-                </a:solidFill>
-                <a:latin typeface="-apple-system"/>
+                <a:latin typeface="標楷體" panose="03000509000000000000" pitchFamily="65" charset="-120"/>
+                <a:ea typeface="標楷體" panose="03000509000000000000" pitchFamily="65" charset="-120"/>
               </a:rPr>
-              <a:t>demo</a:t>
+              <a:t>Block RAM</a:t>
             </a:r>
             <a:r>
               <a:rPr lang="zh-TW" altLang="en-US" dirty="0">
-                <a:solidFill>
-                  <a:srgbClr val="000000"/>
-                </a:solidFill>
-                <a:latin typeface="-apple-system"/>
+                <a:latin typeface="標楷體" panose="03000509000000000000" pitchFamily="65" charset="-120"/>
+                <a:ea typeface="標楷體" panose="03000509000000000000" pitchFamily="65" charset="-120"/>
               </a:rPr>
-              <a:t>：</a:t>
-            </a:r>
-            <a:endParaRPr lang="zh-TW" altLang="en-US" b="0" i="0" dirty="0">
-              <a:solidFill>
-                <a:srgbClr val="000000"/>
-              </a:solidFill>
-              <a:effectLst/>
-              <a:latin typeface="-apple-system"/>
-            </a:endParaRPr>
+              <a:t>讀取</a:t>
+            </a:r>
+            <a:r>
+              <a:rPr lang="en-US" altLang="zh-TW" dirty="0">
+                <a:latin typeface="標楷體" panose="03000509000000000000" pitchFamily="65" charset="-120"/>
+                <a:ea typeface="標楷體" panose="03000509000000000000" pitchFamily="65" charset="-120"/>
+              </a:rPr>
+              <a:t>100x100</a:t>
+            </a:r>
+            <a:r>
+              <a:rPr lang="zh-TW" altLang="en-US" dirty="0">
+                <a:latin typeface="標楷體" panose="03000509000000000000" pitchFamily="65" charset="-120"/>
+                <a:ea typeface="標楷體" panose="03000509000000000000" pitchFamily="65" charset="-120"/>
+              </a:rPr>
+              <a:t>影像的位址並輸出到</a:t>
+            </a:r>
+            <a:r>
+              <a:rPr lang="en-US" altLang="zh-TW" dirty="0">
+                <a:latin typeface="標楷體" panose="03000509000000000000" pitchFamily="65" charset="-120"/>
+                <a:ea typeface="標楷體" panose="03000509000000000000" pitchFamily="65" charset="-120"/>
+              </a:rPr>
+              <a:t>VGA</a:t>
+            </a:r>
+            <a:r>
+              <a:rPr lang="zh-TW" altLang="en-US" dirty="0">
+                <a:latin typeface="標楷體" panose="03000509000000000000" pitchFamily="65" charset="-120"/>
+                <a:ea typeface="標楷體" panose="03000509000000000000" pitchFamily="65" charset="-120"/>
+              </a:rPr>
+              <a:t>上。</a:t>
+            </a:r>
+            <a:endParaRPr lang="zh-TW" altLang="en-US" dirty="0"/>
+          </a:p>
+        </p:txBody>
+      </p:sp>
+    </p:spTree>
+    <p:extLst>
+      <p:ext uri="{BB962C8B-B14F-4D97-AF65-F5344CB8AC3E}">
+        <p14:creationId xmlns:p14="http://schemas.microsoft.com/office/powerpoint/2010/main" val="1064854391"/>
+      </p:ext>
+    </p:extLst>
+  </p:cSld>
+  <p:clrMapOvr>
+    <a:masterClrMapping/>
+  </p:clrMapOvr>
+</p:sld>
+</file>
+
+<file path=ppt/slides/slide6.xml><?xml version="1.0" encoding="utf-8"?>
+<p:sld xmlns:a="http://schemas.openxmlformats.org/drawingml/2006/main" xmlns:r="http://schemas.openxmlformats.org/officeDocument/2006/relationships" xmlns:p="http://schemas.openxmlformats.org/presentationml/2006/main">
+  <p:cSld>
+    <p:spTree>
+      <p:nvGrpSpPr>
+        <p:cNvPr id="1" name=""/>
+        <p:cNvGrpSpPr/>
+        <p:nvPr/>
+      </p:nvGrpSpPr>
+      <p:grpSpPr>
+        <a:xfrm>
+          <a:off x="0" y="0"/>
+          <a:ext cx="0" cy="0"/>
+          <a:chOff x="0" y="0"/>
+          <a:chExt cx="0" cy="0"/>
+        </a:xfrm>
+      </p:grpSpPr>
+      <p:sp>
+        <p:nvSpPr>
+          <p:cNvPr id="3" name="標題 2">
+            <a:extLst>
+              <a:ext uri="{FF2B5EF4-FFF2-40B4-BE49-F238E27FC236}">
+                <a16:creationId xmlns:a16="http://schemas.microsoft.com/office/drawing/2014/main" id="{7CEF8466-5AE1-779C-D3E8-D72E2439F09B}"/>
+              </a:ext>
+            </a:extLst>
+          </p:cNvPr>
+          <p:cNvSpPr>
+            <a:spLocks noGrp="1"/>
+          </p:cNvSpPr>
+          <p:nvPr>
+            <p:ph type="title"/>
+          </p:nvPr>
+        </p:nvSpPr>
+        <p:spPr/>
+        <p:txBody>
+          <a:bodyPr/>
+          <a:lstStyle/>
+          <a:p>
+            <a:r>
+              <a:rPr lang="en-US" altLang="zh-TW" dirty="0"/>
+              <a:t>HW6-VGA</a:t>
+            </a:r>
+            <a:r>
+              <a:rPr lang="zh-TW" altLang="en-US" dirty="0"/>
+              <a:t>乒乓</a:t>
+            </a:r>
           </a:p>
         </p:txBody>
       </p:sp>
       <p:pic>
         <p:nvPicPr>
-          <p:cNvPr id="5" name="線上媒體 4" title="pingpong">
+          <p:cNvPr id="7" name="線上媒體 6" title="vga_pong">
             <a:hlinkClick r:id="" action="ppaction://media"/>
             <a:extLst>
               <a:ext uri="{FF2B5EF4-FFF2-40B4-BE49-F238E27FC236}">
-                <a16:creationId xmlns:a16="http://schemas.microsoft.com/office/drawing/2014/main" id="{F36479CF-9AD4-5EA6-AFD1-2372AD6D3362}"/>
+                <a16:creationId xmlns:a16="http://schemas.microsoft.com/office/drawing/2014/main" id="{0DB25B98-8A37-F955-E30B-B114F380801C}"/>
               </a:ext>
             </a:extLst>
           </p:cNvPr>
@@ -5151,18 +4884,64 @@
         </p:blipFill>
         <p:spPr>
           <a:xfrm>
-            <a:off x="2309110" y="1820623"/>
-            <a:ext cx="7573780" cy="4260251"/>
+            <a:off x="2777860" y="1804627"/>
+            <a:ext cx="6636280" cy="3749507"/>
           </a:xfrm>
           <a:prstGeom prst="rect">
             <a:avLst/>
           </a:prstGeom>
         </p:spPr>
       </p:pic>
+      <p:sp>
+        <p:nvSpPr>
+          <p:cNvPr id="9" name="文字方塊 8">
+            <a:extLst>
+              <a:ext uri="{FF2B5EF4-FFF2-40B4-BE49-F238E27FC236}">
+                <a16:creationId xmlns:a16="http://schemas.microsoft.com/office/drawing/2014/main" id="{C5CEB265-2D8A-3561-9F63-F02A4FE7E466}"/>
+              </a:ext>
+            </a:extLst>
+          </p:cNvPr>
+          <p:cNvSpPr txBox="1"/>
+          <p:nvPr/>
+        </p:nvSpPr>
+        <p:spPr>
+          <a:xfrm>
+            <a:off x="1676400" y="1703027"/>
+            <a:ext cx="1007533" cy="369332"/>
+          </a:xfrm>
+          <a:prstGeom prst="rect">
+            <a:avLst/>
+          </a:prstGeom>
+          <a:noFill/>
+        </p:spPr>
+        <p:txBody>
+          <a:bodyPr wrap="square">
+            <a:spAutoFit/>
+          </a:bodyPr>
+          <a:lstStyle/>
+          <a:p>
+            <a:r>
+              <a:rPr lang="en-US" altLang="zh-TW" dirty="0">
+                <a:latin typeface="標楷體" panose="03000509000000000000" pitchFamily="65" charset="-120"/>
+                <a:ea typeface="標楷體" panose="03000509000000000000" pitchFamily="65" charset="-120"/>
+              </a:rPr>
+              <a:t>demo</a:t>
+            </a:r>
+            <a:r>
+              <a:rPr lang="zh-TW" altLang="en-US" dirty="0">
+                <a:latin typeface="標楷體" panose="03000509000000000000" pitchFamily="65" charset="-120"/>
+                <a:ea typeface="標楷體" panose="03000509000000000000" pitchFamily="65" charset="-120"/>
+              </a:rPr>
+              <a:t>：</a:t>
+            </a:r>
+            <a:endParaRPr lang="zh-TW" altLang="en-US" dirty="0"/>
+          </a:p>
+        </p:txBody>
+      </p:sp>
     </p:spTree>
     <p:extLst>
       <p:ext uri="{BB962C8B-B14F-4D97-AF65-F5344CB8AC3E}">
-        <p14:creationId xmlns:p14="http://schemas.microsoft.com/office/powerpoint/2010/main" val="1290054965"/>
+        <p14:creationId xmlns:p14="http://schemas.microsoft.com/office/powerpoint/2010/main" val="109475956"/>
       </p:ext>
     </p:extLst>
   </p:cSld>
@@ -5199,7 +4978,7 @@
                                       <p:cBhvr>
                                         <p:cTn id="6" dur="1" fill="hold"/>
                                         <p:tgtEl>
-                                          <p:spTgt spid="5"/>
+                                          <p:spTgt spid="7"/>
                                         </p:tgtEl>
                                       </p:cBhvr>
                                     </p:cmd>
@@ -5237,7 +5016,7 @@
                   </p:stCondLst>
                 </p:cTn>
                 <p:tgtEl>
-                  <p:spTgt spid="5"/>
+                  <p:spTgt spid="7"/>
                 </p:tgtEl>
               </p:cMediaNode>
             </p:video>
@@ -5246,7 +5025,7 @@
                 <p:stCondLst>
                   <p:cond evt="onClick" delay="0">
                     <p:tgtEl>
-                      <p:spTgt spid="5"/>
+                      <p:spTgt spid="7"/>
                     </p:tgtEl>
                   </p:cond>
                 </p:stCondLst>
@@ -5276,7 +5055,7 @@
                                       <p:cBhvr>
                                         <p:cTn id="12" dur="1" fill="hold"/>
                                         <p:tgtEl>
-                                          <p:spTgt spid="5"/>
+                                          <p:spTgt spid="7"/>
                                         </p:tgtEl>
                                       </p:cBhvr>
                                     </p:cmd>
@@ -5294,7 +5073,7 @@
               <p:nextCondLst>
                 <p:cond evt="onClick" delay="0">
                   <p:tgtEl>
-                    <p:spTgt spid="5"/>
+                    <p:spTgt spid="7"/>
                   </p:tgtEl>
                 </p:cond>
               </p:nextCondLst>
